--- a/slides/org.pptx
+++ b/slides/org.pptx
@@ -262,7 +262,7 @@
           <a:p>
             <a:fld id="{A64C2476-53A7-7643-9EAB-D4BAA96030F5}" type="datetimeFigureOut">
               <a:rPr lang="en-KW" smtClean="0"/>
-              <a:t>02/10/2025</a:t>
+              <a:t>18/10/2025</a:t>
             </a:fld>
             <a:endParaRPr lang="en-KW"/>
           </a:p>
@@ -462,7 +462,7 @@
           <a:p>
             <a:fld id="{A64C2476-53A7-7643-9EAB-D4BAA96030F5}" type="datetimeFigureOut">
               <a:rPr lang="en-KW" smtClean="0"/>
-              <a:t>02/10/2025</a:t>
+              <a:t>18/10/2025</a:t>
             </a:fld>
             <a:endParaRPr lang="en-KW"/>
           </a:p>
@@ -672,7 +672,7 @@
           <a:p>
             <a:fld id="{A64C2476-53A7-7643-9EAB-D4BAA96030F5}" type="datetimeFigureOut">
               <a:rPr lang="en-KW" smtClean="0"/>
-              <a:t>02/10/2025</a:t>
+              <a:t>18/10/2025</a:t>
             </a:fld>
             <a:endParaRPr lang="en-KW"/>
           </a:p>
@@ -872,7 +872,7 @@
           <a:p>
             <a:fld id="{A64C2476-53A7-7643-9EAB-D4BAA96030F5}" type="datetimeFigureOut">
               <a:rPr lang="en-KW" smtClean="0"/>
-              <a:t>02/10/2025</a:t>
+              <a:t>18/10/2025</a:t>
             </a:fld>
             <a:endParaRPr lang="en-KW"/>
           </a:p>
@@ -1148,7 +1148,7 @@
           <a:p>
             <a:fld id="{A64C2476-53A7-7643-9EAB-D4BAA96030F5}" type="datetimeFigureOut">
               <a:rPr lang="en-KW" smtClean="0"/>
-              <a:t>02/10/2025</a:t>
+              <a:t>18/10/2025</a:t>
             </a:fld>
             <a:endParaRPr lang="en-KW"/>
           </a:p>
@@ -1416,7 +1416,7 @@
           <a:p>
             <a:fld id="{A64C2476-53A7-7643-9EAB-D4BAA96030F5}" type="datetimeFigureOut">
               <a:rPr lang="en-KW" smtClean="0"/>
-              <a:t>02/10/2025</a:t>
+              <a:t>18/10/2025</a:t>
             </a:fld>
             <a:endParaRPr lang="en-KW"/>
           </a:p>
@@ -1831,7 +1831,7 @@
           <a:p>
             <a:fld id="{A64C2476-53A7-7643-9EAB-D4BAA96030F5}" type="datetimeFigureOut">
               <a:rPr lang="en-KW" smtClean="0"/>
-              <a:t>02/10/2025</a:t>
+              <a:t>18/10/2025</a:t>
             </a:fld>
             <a:endParaRPr lang="en-KW"/>
           </a:p>
@@ -1973,7 +1973,7 @@
           <a:p>
             <a:fld id="{A64C2476-53A7-7643-9EAB-D4BAA96030F5}" type="datetimeFigureOut">
               <a:rPr lang="en-KW" smtClean="0"/>
-              <a:t>02/10/2025</a:t>
+              <a:t>18/10/2025</a:t>
             </a:fld>
             <a:endParaRPr lang="en-KW"/>
           </a:p>
@@ -2086,7 +2086,7 @@
           <a:p>
             <a:fld id="{A64C2476-53A7-7643-9EAB-D4BAA96030F5}" type="datetimeFigureOut">
               <a:rPr lang="en-KW" smtClean="0"/>
-              <a:t>02/10/2025</a:t>
+              <a:t>18/10/2025</a:t>
             </a:fld>
             <a:endParaRPr lang="en-KW"/>
           </a:p>
@@ -2399,7 +2399,7 @@
           <a:p>
             <a:fld id="{A64C2476-53A7-7643-9EAB-D4BAA96030F5}" type="datetimeFigureOut">
               <a:rPr lang="en-KW" smtClean="0"/>
-              <a:t>02/10/2025</a:t>
+              <a:t>18/10/2025</a:t>
             </a:fld>
             <a:endParaRPr lang="en-KW"/>
           </a:p>
@@ -2688,7 +2688,7 @@
           <a:p>
             <a:fld id="{A64C2476-53A7-7643-9EAB-D4BAA96030F5}" type="datetimeFigureOut">
               <a:rPr lang="en-KW" smtClean="0"/>
-              <a:t>02/10/2025</a:t>
+              <a:t>18/10/2025</a:t>
             </a:fld>
             <a:endParaRPr lang="en-KW"/>
           </a:p>
@@ -2931,7 +2931,7 @@
           <a:p>
             <a:fld id="{A64C2476-53A7-7643-9EAB-D4BAA96030F5}" type="datetimeFigureOut">
               <a:rPr lang="en-KW" smtClean="0"/>
-              <a:t>02/10/2025</a:t>
+              <a:t>18/10/2025</a:t>
             </a:fld>
             <a:endParaRPr lang="en-KW"/>
           </a:p>
@@ -3538,15 +3538,26 @@
             </a:r>
           </a:p>
           <a:p>
+            <a:pPr marL="457200" lvl="1" indent="0">
+              <a:buNone/>
+            </a:pPr>
             <a:endParaRPr lang="en-US" dirty="0"/>
           </a:p>
           <a:p>
             <a:r>
               <a:rPr lang="en-US" dirty="0"/>
-              <a:t>Solutions to exercises will be added after the class is finished with them</a:t>
-            </a:r>
-          </a:p>
-          <a:p>
+              <a:t>Course is organized in blocks, with each block followed by a code demonstration. Try to follow-along, but if you can’t the code is available on the </a:t>
+            </a:r>
+            <a:r>
+              <a:rPr lang="en-US"/>
+              <a:t>link above.</a:t>
+            </a:r>
+            <a:endParaRPr lang="en-US" dirty="0"/>
+          </a:p>
+          <a:p>
+            <a:pPr marL="0" indent="0">
+              <a:buNone/>
+            </a:pPr>
             <a:endParaRPr lang="en-KW" dirty="0"/>
           </a:p>
           <a:p>

--- a/slides/org.pptx
+++ b/slides/org.pptx
@@ -4,9 +4,14 @@
   <p:sldMasterIdLst>
     <p:sldMasterId id="2147483648" r:id="rId1"/>
   </p:sldMasterIdLst>
+  <p:notesMasterIdLst>
+    <p:notesMasterId r:id="rId6"/>
+  </p:notesMasterIdLst>
   <p:sldIdLst>
     <p:sldId id="256" r:id="rId2"/>
-    <p:sldId id="260" r:id="rId3"/>
+    <p:sldId id="279" r:id="rId3"/>
+    <p:sldId id="280" r:id="rId4"/>
+    <p:sldId id="278" r:id="rId5"/>
   </p:sldIdLst>
   <p:sldSz cx="12192000" cy="6858000"/>
   <p:notesSz cx="6858000" cy="9144000"/>
@@ -113,6 +118,356 @@
 </p:presentation>
 </file>
 
+<file path=ppt/notesMasters/notesMaster1.xml><?xml version="1.0" encoding="utf-8"?>
+<p:notesMaster xmlns:a="http://schemas.openxmlformats.org/drawingml/2006/main" xmlns:r="http://schemas.openxmlformats.org/officeDocument/2006/relationships" xmlns:p="http://schemas.openxmlformats.org/presentationml/2006/main">
+  <p:cSld>
+    <p:bg>
+      <p:bgRef idx="1001">
+        <a:schemeClr val="bg1"/>
+      </p:bgRef>
+    </p:bg>
+    <p:spTree>
+      <p:nvGrpSpPr>
+        <p:cNvPr id="1" name=""/>
+        <p:cNvGrpSpPr/>
+        <p:nvPr/>
+      </p:nvGrpSpPr>
+      <p:grpSpPr>
+        <a:xfrm>
+          <a:off x="0" y="0"/>
+          <a:ext cx="0" cy="0"/>
+          <a:chOff x="0" y="0"/>
+          <a:chExt cx="0" cy="0"/>
+        </a:xfrm>
+      </p:grpSpPr>
+      <p:sp>
+        <p:nvSpPr>
+          <p:cNvPr id="2" name="Header Placeholder 1"/>
+          <p:cNvSpPr>
+            <a:spLocks noGrp="1"/>
+          </p:cNvSpPr>
+          <p:nvPr>
+            <p:ph type="hdr" sz="quarter"/>
+          </p:nvPr>
+        </p:nvSpPr>
+        <p:spPr>
+          <a:xfrm>
+            <a:off x="0" y="0"/>
+            <a:ext cx="2971800" cy="458788"/>
+          </a:xfrm>
+          <a:prstGeom prst="rect">
+            <a:avLst/>
+          </a:prstGeom>
+        </p:spPr>
+        <p:txBody>
+          <a:bodyPr vert="horz" lIns="91440" tIns="45720" rIns="91440" bIns="45720" rtlCol="0"/>
+          <a:lstStyle>
+            <a:lvl1pPr algn="l">
+              <a:defRPr sz="1200"/>
+            </a:lvl1pPr>
+          </a:lstStyle>
+          <a:p>
+            <a:endParaRPr lang="en-KW"/>
+          </a:p>
+        </p:txBody>
+      </p:sp>
+      <p:sp>
+        <p:nvSpPr>
+          <p:cNvPr id="3" name="Date Placeholder 2"/>
+          <p:cNvSpPr>
+            <a:spLocks noGrp="1"/>
+          </p:cNvSpPr>
+          <p:nvPr>
+            <p:ph type="dt" idx="1"/>
+          </p:nvPr>
+        </p:nvSpPr>
+        <p:spPr>
+          <a:xfrm>
+            <a:off x="3884613" y="0"/>
+            <a:ext cx="2971800" cy="458788"/>
+          </a:xfrm>
+          <a:prstGeom prst="rect">
+            <a:avLst/>
+          </a:prstGeom>
+        </p:spPr>
+        <p:txBody>
+          <a:bodyPr vert="horz" lIns="91440" tIns="45720" rIns="91440" bIns="45720" rtlCol="0"/>
+          <a:lstStyle>
+            <a:lvl1pPr algn="r">
+              <a:defRPr sz="1200"/>
+            </a:lvl1pPr>
+          </a:lstStyle>
+          <a:p>
+            <a:fld id="{3F5DAF9C-BFBB-7344-81B1-BA27AD60250B}" type="datetimeFigureOut">
+              <a:rPr lang="en-KW" smtClean="0"/>
+              <a:t>19/10/2025</a:t>
+            </a:fld>
+            <a:endParaRPr lang="en-KW"/>
+          </a:p>
+        </p:txBody>
+      </p:sp>
+      <p:sp>
+        <p:nvSpPr>
+          <p:cNvPr id="4" name="Slide Image Placeholder 3"/>
+          <p:cNvSpPr>
+            <a:spLocks noGrp="1" noRot="1" noChangeAspect="1"/>
+          </p:cNvSpPr>
+          <p:nvPr>
+            <p:ph type="sldImg" idx="2"/>
+          </p:nvPr>
+        </p:nvSpPr>
+        <p:spPr>
+          <a:xfrm>
+            <a:off x="685800" y="1143000"/>
+            <a:ext cx="5486400" cy="3086100"/>
+          </a:xfrm>
+          <a:prstGeom prst="rect">
+            <a:avLst/>
+          </a:prstGeom>
+          <a:noFill/>
+          <a:ln w="12700">
+            <a:solidFill>
+              <a:prstClr val="black"/>
+            </a:solidFill>
+          </a:ln>
+        </p:spPr>
+        <p:txBody>
+          <a:bodyPr vert="horz" lIns="91440" tIns="45720" rIns="91440" bIns="45720" rtlCol="0" anchor="ctr"/>
+          <a:lstStyle/>
+          <a:p>
+            <a:endParaRPr lang="en-KW"/>
+          </a:p>
+        </p:txBody>
+      </p:sp>
+      <p:sp>
+        <p:nvSpPr>
+          <p:cNvPr id="5" name="Notes Placeholder 4"/>
+          <p:cNvSpPr>
+            <a:spLocks noGrp="1"/>
+          </p:cNvSpPr>
+          <p:nvPr>
+            <p:ph type="body" sz="quarter" idx="3"/>
+          </p:nvPr>
+        </p:nvSpPr>
+        <p:spPr>
+          <a:xfrm>
+            <a:off x="685800" y="4400550"/>
+            <a:ext cx="5486400" cy="3600450"/>
+          </a:xfrm>
+          <a:prstGeom prst="rect">
+            <a:avLst/>
+          </a:prstGeom>
+        </p:spPr>
+        <p:txBody>
+          <a:bodyPr vert="horz" lIns="91440" tIns="45720" rIns="91440" bIns="45720" rtlCol="0"/>
+          <a:lstStyle/>
+          <a:p>
+            <a:pPr lvl="0"/>
+            <a:r>
+              <a:rPr lang="en-US"/>
+              <a:t>Click to edit Master text styles</a:t>
+            </a:r>
+          </a:p>
+          <a:p>
+            <a:pPr lvl="1"/>
+            <a:r>
+              <a:rPr lang="en-US"/>
+              <a:t>Second level</a:t>
+            </a:r>
+          </a:p>
+          <a:p>
+            <a:pPr lvl="2"/>
+            <a:r>
+              <a:rPr lang="en-US"/>
+              <a:t>Third level</a:t>
+            </a:r>
+          </a:p>
+          <a:p>
+            <a:pPr lvl="3"/>
+            <a:r>
+              <a:rPr lang="en-US"/>
+              <a:t>Fourth level</a:t>
+            </a:r>
+          </a:p>
+          <a:p>
+            <a:pPr lvl="4"/>
+            <a:r>
+              <a:rPr lang="en-US"/>
+              <a:t>Fifth level</a:t>
+            </a:r>
+            <a:endParaRPr lang="en-KW"/>
+          </a:p>
+        </p:txBody>
+      </p:sp>
+      <p:sp>
+        <p:nvSpPr>
+          <p:cNvPr id="6" name="Footer Placeholder 5"/>
+          <p:cNvSpPr>
+            <a:spLocks noGrp="1"/>
+          </p:cNvSpPr>
+          <p:nvPr>
+            <p:ph type="ftr" sz="quarter" idx="4"/>
+          </p:nvPr>
+        </p:nvSpPr>
+        <p:spPr>
+          <a:xfrm>
+            <a:off x="0" y="8685213"/>
+            <a:ext cx="2971800" cy="458787"/>
+          </a:xfrm>
+          <a:prstGeom prst="rect">
+            <a:avLst/>
+          </a:prstGeom>
+        </p:spPr>
+        <p:txBody>
+          <a:bodyPr vert="horz" lIns="91440" tIns="45720" rIns="91440" bIns="45720" rtlCol="0" anchor="b"/>
+          <a:lstStyle>
+            <a:lvl1pPr algn="l">
+              <a:defRPr sz="1200"/>
+            </a:lvl1pPr>
+          </a:lstStyle>
+          <a:p>
+            <a:endParaRPr lang="en-KW"/>
+          </a:p>
+        </p:txBody>
+      </p:sp>
+      <p:sp>
+        <p:nvSpPr>
+          <p:cNvPr id="7" name="Slide Number Placeholder 6"/>
+          <p:cNvSpPr>
+            <a:spLocks noGrp="1"/>
+          </p:cNvSpPr>
+          <p:nvPr>
+            <p:ph type="sldNum" sz="quarter" idx="5"/>
+          </p:nvPr>
+        </p:nvSpPr>
+        <p:spPr>
+          <a:xfrm>
+            <a:off x="3884613" y="8685213"/>
+            <a:ext cx="2971800" cy="458787"/>
+          </a:xfrm>
+          <a:prstGeom prst="rect">
+            <a:avLst/>
+          </a:prstGeom>
+        </p:spPr>
+        <p:txBody>
+          <a:bodyPr vert="horz" lIns="91440" tIns="45720" rIns="91440" bIns="45720" rtlCol="0" anchor="b"/>
+          <a:lstStyle>
+            <a:lvl1pPr algn="r">
+              <a:defRPr sz="1200"/>
+            </a:lvl1pPr>
+          </a:lstStyle>
+          <a:p>
+            <a:fld id="{949CAF34-6B4C-E54E-8A71-2DCA512F23AC}" type="slidenum">
+              <a:rPr lang="en-KW" smtClean="0"/>
+              <a:t>‹#›</a:t>
+            </a:fld>
+            <a:endParaRPr lang="en-KW"/>
+          </a:p>
+        </p:txBody>
+      </p:sp>
+    </p:spTree>
+    <p:extLst>
+      <p:ext uri="{BB962C8B-B14F-4D97-AF65-F5344CB8AC3E}">
+        <p14:creationId xmlns:p14="http://schemas.microsoft.com/office/powerpoint/2010/main" val="2890047059"/>
+      </p:ext>
+    </p:extLst>
+  </p:cSld>
+  <p:clrMap bg1="lt1" tx1="dk1" bg2="lt2" tx2="dk2" accent1="accent1" accent2="accent2" accent3="accent3" accent4="accent4" accent5="accent5" accent6="accent6" hlink="hlink" folHlink="folHlink"/>
+  <p:notesStyle>
+    <a:lvl1pPr marL="0" algn="l" defTabSz="914400" rtl="0" eaLnBrk="1" latinLnBrk="0" hangingPunct="1">
+      <a:defRPr sz="1200" kern="1200">
+        <a:solidFill>
+          <a:schemeClr val="tx1"/>
+        </a:solidFill>
+        <a:latin typeface="+mn-lt"/>
+        <a:ea typeface="+mn-ea"/>
+        <a:cs typeface="+mn-cs"/>
+      </a:defRPr>
+    </a:lvl1pPr>
+    <a:lvl2pPr marL="457200" algn="l" defTabSz="914400" rtl="0" eaLnBrk="1" latinLnBrk="0" hangingPunct="1">
+      <a:defRPr sz="1200" kern="1200">
+        <a:solidFill>
+          <a:schemeClr val="tx1"/>
+        </a:solidFill>
+        <a:latin typeface="+mn-lt"/>
+        <a:ea typeface="+mn-ea"/>
+        <a:cs typeface="+mn-cs"/>
+      </a:defRPr>
+    </a:lvl2pPr>
+    <a:lvl3pPr marL="914400" algn="l" defTabSz="914400" rtl="0" eaLnBrk="1" latinLnBrk="0" hangingPunct="1">
+      <a:defRPr sz="1200" kern="1200">
+        <a:solidFill>
+          <a:schemeClr val="tx1"/>
+        </a:solidFill>
+        <a:latin typeface="+mn-lt"/>
+        <a:ea typeface="+mn-ea"/>
+        <a:cs typeface="+mn-cs"/>
+      </a:defRPr>
+    </a:lvl3pPr>
+    <a:lvl4pPr marL="1371600" algn="l" defTabSz="914400" rtl="0" eaLnBrk="1" latinLnBrk="0" hangingPunct="1">
+      <a:defRPr sz="1200" kern="1200">
+        <a:solidFill>
+          <a:schemeClr val="tx1"/>
+        </a:solidFill>
+        <a:latin typeface="+mn-lt"/>
+        <a:ea typeface="+mn-ea"/>
+        <a:cs typeface="+mn-cs"/>
+      </a:defRPr>
+    </a:lvl4pPr>
+    <a:lvl5pPr marL="1828800" algn="l" defTabSz="914400" rtl="0" eaLnBrk="1" latinLnBrk="0" hangingPunct="1">
+      <a:defRPr sz="1200" kern="1200">
+        <a:solidFill>
+          <a:schemeClr val="tx1"/>
+        </a:solidFill>
+        <a:latin typeface="+mn-lt"/>
+        <a:ea typeface="+mn-ea"/>
+        <a:cs typeface="+mn-cs"/>
+      </a:defRPr>
+    </a:lvl5pPr>
+    <a:lvl6pPr marL="2286000" algn="l" defTabSz="914400" rtl="0" eaLnBrk="1" latinLnBrk="0" hangingPunct="1">
+      <a:defRPr sz="1200" kern="1200">
+        <a:solidFill>
+          <a:schemeClr val="tx1"/>
+        </a:solidFill>
+        <a:latin typeface="+mn-lt"/>
+        <a:ea typeface="+mn-ea"/>
+        <a:cs typeface="+mn-cs"/>
+      </a:defRPr>
+    </a:lvl6pPr>
+    <a:lvl7pPr marL="2743200" algn="l" defTabSz="914400" rtl="0" eaLnBrk="1" latinLnBrk="0" hangingPunct="1">
+      <a:defRPr sz="1200" kern="1200">
+        <a:solidFill>
+          <a:schemeClr val="tx1"/>
+        </a:solidFill>
+        <a:latin typeface="+mn-lt"/>
+        <a:ea typeface="+mn-ea"/>
+        <a:cs typeface="+mn-cs"/>
+      </a:defRPr>
+    </a:lvl7pPr>
+    <a:lvl8pPr marL="3200400" algn="l" defTabSz="914400" rtl="0" eaLnBrk="1" latinLnBrk="0" hangingPunct="1">
+      <a:defRPr sz="1200" kern="1200">
+        <a:solidFill>
+          <a:schemeClr val="tx1"/>
+        </a:solidFill>
+        <a:latin typeface="+mn-lt"/>
+        <a:ea typeface="+mn-ea"/>
+        <a:cs typeface="+mn-cs"/>
+      </a:defRPr>
+    </a:lvl8pPr>
+    <a:lvl9pPr marL="3657600" algn="l" defTabSz="914400" rtl="0" eaLnBrk="1" latinLnBrk="0" hangingPunct="1">
+      <a:defRPr sz="1200" kern="1200">
+        <a:solidFill>
+          <a:schemeClr val="tx1"/>
+        </a:solidFill>
+        <a:latin typeface="+mn-lt"/>
+        <a:ea typeface="+mn-ea"/>
+        <a:cs typeface="+mn-cs"/>
+      </a:defRPr>
+    </a:lvl9pPr>
+  </p:notesStyle>
+</p:notesMaster>
+</file>
+
 <file path=ppt/slideLayouts/slideLayout1.xml><?xml version="1.0" encoding="utf-8"?>
 <p:sldLayout xmlns:a="http://schemas.openxmlformats.org/drawingml/2006/main" xmlns:r="http://schemas.openxmlformats.org/officeDocument/2006/relationships" xmlns:p="http://schemas.openxmlformats.org/presentationml/2006/main" type="title" preserve="1">
   <p:cSld name="Title Slide">
@@ -135,7 +490,7 @@
           <p:cNvPr id="2" name="Title 1">
             <a:extLst>
               <a:ext uri="{FF2B5EF4-FFF2-40B4-BE49-F238E27FC236}">
-                <a16:creationId xmlns:a16="http://schemas.microsoft.com/office/drawing/2014/main" id="{3F60E454-EDF2-2F89-8027-3C6B1ADFC96B}"/>
+                <a16:creationId xmlns:a16="http://schemas.microsoft.com/office/drawing/2014/main" id="{B6ADFC9F-3FEE-244A-F999-EBE418F571F4}"/>
               </a:ext>
             </a:extLst>
           </p:cNvPr>
@@ -173,7 +528,7 @@
           <p:cNvPr id="3" name="Subtitle 2">
             <a:extLst>
               <a:ext uri="{FF2B5EF4-FFF2-40B4-BE49-F238E27FC236}">
-                <a16:creationId xmlns:a16="http://schemas.microsoft.com/office/drawing/2014/main" id="{971B7F5C-ABC5-D2AA-A6CB-96BE26AEE174}"/>
+                <a16:creationId xmlns:a16="http://schemas.microsoft.com/office/drawing/2014/main" id="{EF0696D3-E3C8-8005-0F74-73AF9061DBEE}"/>
               </a:ext>
             </a:extLst>
           </p:cNvPr>
@@ -244,7 +599,7 @@
           <p:cNvPr id="4" name="Date Placeholder 3">
             <a:extLst>
               <a:ext uri="{FF2B5EF4-FFF2-40B4-BE49-F238E27FC236}">
-                <a16:creationId xmlns:a16="http://schemas.microsoft.com/office/drawing/2014/main" id="{2F8C5A9F-8602-C403-66D0-FAD691154468}"/>
+                <a16:creationId xmlns:a16="http://schemas.microsoft.com/office/drawing/2014/main" id="{0C8B7DE9-8CE4-8B35-96EF-114B2AC43C68}"/>
               </a:ext>
             </a:extLst>
           </p:cNvPr>
@@ -260,9 +615,9 @@
           <a:bodyPr/>
           <a:lstStyle/>
           <a:p>
-            <a:fld id="{A64C2476-53A7-7643-9EAB-D4BAA96030F5}" type="datetimeFigureOut">
+            <a:fld id="{AB78BAB4-45D1-EE48-BF00-BF3F291908FD}" type="datetimeFigureOut">
               <a:rPr lang="en-KW" smtClean="0"/>
-              <a:t>18/10/2025</a:t>
+              <a:t>19/10/2025</a:t>
             </a:fld>
             <a:endParaRPr lang="en-KW"/>
           </a:p>
@@ -273,7 +628,7 @@
           <p:cNvPr id="5" name="Footer Placeholder 4">
             <a:extLst>
               <a:ext uri="{FF2B5EF4-FFF2-40B4-BE49-F238E27FC236}">
-                <a16:creationId xmlns:a16="http://schemas.microsoft.com/office/drawing/2014/main" id="{99CF10D8-B1B5-7660-19BB-19CD88098AD4}"/>
+                <a16:creationId xmlns:a16="http://schemas.microsoft.com/office/drawing/2014/main" id="{0173BB4D-C488-D49F-8F4E-A06CFA196271}"/>
               </a:ext>
             </a:extLst>
           </p:cNvPr>
@@ -298,7 +653,7 @@
           <p:cNvPr id="6" name="Slide Number Placeholder 5">
             <a:extLst>
               <a:ext uri="{FF2B5EF4-FFF2-40B4-BE49-F238E27FC236}">
-                <a16:creationId xmlns:a16="http://schemas.microsoft.com/office/drawing/2014/main" id="{03D2095F-4FC7-020A-2B45-0109082F63C4}"/>
+                <a16:creationId xmlns:a16="http://schemas.microsoft.com/office/drawing/2014/main" id="{9F068E6F-4158-3173-2FF2-460CF7875EBF}"/>
               </a:ext>
             </a:extLst>
           </p:cNvPr>
@@ -314,7 +669,7 @@
           <a:bodyPr/>
           <a:lstStyle/>
           <a:p>
-            <a:fld id="{9967D4F1-1058-EB43-8A24-804060C92844}" type="slidenum">
+            <a:fld id="{954ED50F-1335-244D-B4F7-B306240C5011}" type="slidenum">
               <a:rPr lang="en-KW" smtClean="0"/>
               <a:t>‹#›</a:t>
             </a:fld>
@@ -325,7 +680,7 @@
     </p:spTree>
     <p:extLst>
       <p:ext uri="{BB962C8B-B14F-4D97-AF65-F5344CB8AC3E}">
-        <p14:creationId xmlns:p14="http://schemas.microsoft.com/office/powerpoint/2010/main" val="21513636"/>
+        <p14:creationId xmlns:p14="http://schemas.microsoft.com/office/powerpoint/2010/main" val="1808927024"/>
       </p:ext>
     </p:extLst>
   </p:cSld>
@@ -357,7 +712,7 @@
           <p:cNvPr id="2" name="Title 1">
             <a:extLst>
               <a:ext uri="{FF2B5EF4-FFF2-40B4-BE49-F238E27FC236}">
-                <a16:creationId xmlns:a16="http://schemas.microsoft.com/office/drawing/2014/main" id="{509E21FD-38F2-D580-5F9F-CFA0620CA0AA}"/>
+                <a16:creationId xmlns:a16="http://schemas.microsoft.com/office/drawing/2014/main" id="{DFA61E83-D0C9-A30E-9054-8F8418FC43DC}"/>
               </a:ext>
             </a:extLst>
           </p:cNvPr>
@@ -386,7 +741,7 @@
           <p:cNvPr id="3" name="Vertical Text Placeholder 2">
             <a:extLst>
               <a:ext uri="{FF2B5EF4-FFF2-40B4-BE49-F238E27FC236}">
-                <a16:creationId xmlns:a16="http://schemas.microsoft.com/office/drawing/2014/main" id="{43D87BAA-2A59-0A58-F721-B7300C19F2D3}"/>
+                <a16:creationId xmlns:a16="http://schemas.microsoft.com/office/drawing/2014/main" id="{8E3B61F0-3850-6152-C323-4290E7C248AE}"/>
               </a:ext>
             </a:extLst>
           </p:cNvPr>
@@ -444,7 +799,7 @@
           <p:cNvPr id="4" name="Date Placeholder 3">
             <a:extLst>
               <a:ext uri="{FF2B5EF4-FFF2-40B4-BE49-F238E27FC236}">
-                <a16:creationId xmlns:a16="http://schemas.microsoft.com/office/drawing/2014/main" id="{34145224-F203-F1B7-1EFB-02BEEF8368E7}"/>
+                <a16:creationId xmlns:a16="http://schemas.microsoft.com/office/drawing/2014/main" id="{C3538A54-2448-BCEE-2F39-B97BFF318B01}"/>
               </a:ext>
             </a:extLst>
           </p:cNvPr>
@@ -460,9 +815,9 @@
           <a:bodyPr/>
           <a:lstStyle/>
           <a:p>
-            <a:fld id="{A64C2476-53A7-7643-9EAB-D4BAA96030F5}" type="datetimeFigureOut">
+            <a:fld id="{AB78BAB4-45D1-EE48-BF00-BF3F291908FD}" type="datetimeFigureOut">
               <a:rPr lang="en-KW" smtClean="0"/>
-              <a:t>18/10/2025</a:t>
+              <a:t>19/10/2025</a:t>
             </a:fld>
             <a:endParaRPr lang="en-KW"/>
           </a:p>
@@ -473,7 +828,7 @@
           <p:cNvPr id="5" name="Footer Placeholder 4">
             <a:extLst>
               <a:ext uri="{FF2B5EF4-FFF2-40B4-BE49-F238E27FC236}">
-                <a16:creationId xmlns:a16="http://schemas.microsoft.com/office/drawing/2014/main" id="{34B66787-BE2B-0F42-C6A6-EDF2A4016EB6}"/>
+                <a16:creationId xmlns:a16="http://schemas.microsoft.com/office/drawing/2014/main" id="{86E3C73F-94D9-BC4B-5B1C-1D108679CD1E}"/>
               </a:ext>
             </a:extLst>
           </p:cNvPr>
@@ -498,7 +853,7 @@
           <p:cNvPr id="6" name="Slide Number Placeholder 5">
             <a:extLst>
               <a:ext uri="{FF2B5EF4-FFF2-40B4-BE49-F238E27FC236}">
-                <a16:creationId xmlns:a16="http://schemas.microsoft.com/office/drawing/2014/main" id="{A959284C-229E-7231-A05F-3C4EAB6233F2}"/>
+                <a16:creationId xmlns:a16="http://schemas.microsoft.com/office/drawing/2014/main" id="{440815D3-8A27-CEFA-DBCC-9653139A4AD5}"/>
               </a:ext>
             </a:extLst>
           </p:cNvPr>
@@ -514,7 +869,7 @@
           <a:bodyPr/>
           <a:lstStyle/>
           <a:p>
-            <a:fld id="{9967D4F1-1058-EB43-8A24-804060C92844}" type="slidenum">
+            <a:fld id="{954ED50F-1335-244D-B4F7-B306240C5011}" type="slidenum">
               <a:rPr lang="en-KW" smtClean="0"/>
               <a:t>‹#›</a:t>
             </a:fld>
@@ -525,7 +880,7 @@
     </p:spTree>
     <p:extLst>
       <p:ext uri="{BB962C8B-B14F-4D97-AF65-F5344CB8AC3E}">
-        <p14:creationId xmlns:p14="http://schemas.microsoft.com/office/powerpoint/2010/main" val="3225789436"/>
+        <p14:creationId xmlns:p14="http://schemas.microsoft.com/office/powerpoint/2010/main" val="3003489425"/>
       </p:ext>
     </p:extLst>
   </p:cSld>
@@ -557,7 +912,7 @@
           <p:cNvPr id="2" name="Vertical Title 1">
             <a:extLst>
               <a:ext uri="{FF2B5EF4-FFF2-40B4-BE49-F238E27FC236}">
-                <a16:creationId xmlns:a16="http://schemas.microsoft.com/office/drawing/2014/main" id="{0532176F-24FE-8E3A-B15F-C8B9BB5AF90D}"/>
+                <a16:creationId xmlns:a16="http://schemas.microsoft.com/office/drawing/2014/main" id="{2B659B5C-57B7-5723-29C8-829FBC685F3E}"/>
               </a:ext>
             </a:extLst>
           </p:cNvPr>
@@ -591,7 +946,7 @@
           <p:cNvPr id="3" name="Vertical Text Placeholder 2">
             <a:extLst>
               <a:ext uri="{FF2B5EF4-FFF2-40B4-BE49-F238E27FC236}">
-                <a16:creationId xmlns:a16="http://schemas.microsoft.com/office/drawing/2014/main" id="{9652FCD3-F555-3C2F-CE31-E6062E666D21}"/>
+                <a16:creationId xmlns:a16="http://schemas.microsoft.com/office/drawing/2014/main" id="{A99F4A64-D5C2-AD64-5D55-070EA508D4D1}"/>
               </a:ext>
             </a:extLst>
           </p:cNvPr>
@@ -654,7 +1009,7 @@
           <p:cNvPr id="4" name="Date Placeholder 3">
             <a:extLst>
               <a:ext uri="{FF2B5EF4-FFF2-40B4-BE49-F238E27FC236}">
-                <a16:creationId xmlns:a16="http://schemas.microsoft.com/office/drawing/2014/main" id="{9F10E6A6-9C27-CFD3-9D37-08CE57C4859E}"/>
+                <a16:creationId xmlns:a16="http://schemas.microsoft.com/office/drawing/2014/main" id="{94AA10F4-5017-8D28-A65C-0A4975B417C2}"/>
               </a:ext>
             </a:extLst>
           </p:cNvPr>
@@ -670,9 +1025,9 @@
           <a:bodyPr/>
           <a:lstStyle/>
           <a:p>
-            <a:fld id="{A64C2476-53A7-7643-9EAB-D4BAA96030F5}" type="datetimeFigureOut">
+            <a:fld id="{AB78BAB4-45D1-EE48-BF00-BF3F291908FD}" type="datetimeFigureOut">
               <a:rPr lang="en-KW" smtClean="0"/>
-              <a:t>18/10/2025</a:t>
+              <a:t>19/10/2025</a:t>
             </a:fld>
             <a:endParaRPr lang="en-KW"/>
           </a:p>
@@ -683,7 +1038,7 @@
           <p:cNvPr id="5" name="Footer Placeholder 4">
             <a:extLst>
               <a:ext uri="{FF2B5EF4-FFF2-40B4-BE49-F238E27FC236}">
-                <a16:creationId xmlns:a16="http://schemas.microsoft.com/office/drawing/2014/main" id="{6214EED4-DD32-F8B0-665B-C5B0ABC8D4A9}"/>
+                <a16:creationId xmlns:a16="http://schemas.microsoft.com/office/drawing/2014/main" id="{AB05A4C3-369B-DE65-08B8-5D85DF4BB99E}"/>
               </a:ext>
             </a:extLst>
           </p:cNvPr>
@@ -708,7 +1063,7 @@
           <p:cNvPr id="6" name="Slide Number Placeholder 5">
             <a:extLst>
               <a:ext uri="{FF2B5EF4-FFF2-40B4-BE49-F238E27FC236}">
-                <a16:creationId xmlns:a16="http://schemas.microsoft.com/office/drawing/2014/main" id="{A29B3625-5E83-17A0-155A-BA617B895B40}"/>
+                <a16:creationId xmlns:a16="http://schemas.microsoft.com/office/drawing/2014/main" id="{9FB19BC1-3503-992F-C324-4F978C314ED7}"/>
               </a:ext>
             </a:extLst>
           </p:cNvPr>
@@ -724,7 +1079,7 @@
           <a:bodyPr/>
           <a:lstStyle/>
           <a:p>
-            <a:fld id="{9967D4F1-1058-EB43-8A24-804060C92844}" type="slidenum">
+            <a:fld id="{954ED50F-1335-244D-B4F7-B306240C5011}" type="slidenum">
               <a:rPr lang="en-KW" smtClean="0"/>
               <a:t>‹#›</a:t>
             </a:fld>
@@ -735,7 +1090,7 @@
     </p:spTree>
     <p:extLst>
       <p:ext uri="{BB962C8B-B14F-4D97-AF65-F5344CB8AC3E}">
-        <p14:creationId xmlns:p14="http://schemas.microsoft.com/office/powerpoint/2010/main" val="3579245299"/>
+        <p14:creationId xmlns:p14="http://schemas.microsoft.com/office/powerpoint/2010/main" val="4015476300"/>
       </p:ext>
     </p:extLst>
   </p:cSld>
@@ -767,7 +1122,7 @@
           <p:cNvPr id="2" name="Title 1">
             <a:extLst>
               <a:ext uri="{FF2B5EF4-FFF2-40B4-BE49-F238E27FC236}">
-                <a16:creationId xmlns:a16="http://schemas.microsoft.com/office/drawing/2014/main" id="{DDCFA4C3-2101-E283-7514-94562804347A}"/>
+                <a16:creationId xmlns:a16="http://schemas.microsoft.com/office/drawing/2014/main" id="{1F17820E-0794-40B7-3EE5-E4B39330A595}"/>
               </a:ext>
             </a:extLst>
           </p:cNvPr>
@@ -781,13 +1136,21 @@
         <p:spPr/>
         <p:txBody>
           <a:bodyPr/>
-          <a:lstStyle/>
-          <a:p>
-            <a:r>
-              <a:rPr lang="en-US"/>
+          <a:lstStyle>
+            <a:lvl1pPr>
+              <a:defRPr b="1">
+                <a:solidFill>
+                  <a:srgbClr val="002060"/>
+                </a:solidFill>
+              </a:defRPr>
+            </a:lvl1pPr>
+          </a:lstStyle>
+          <a:p>
+            <a:r>
+              <a:rPr lang="en-US" dirty="0"/>
               <a:t>Click to edit Master title style</a:t>
             </a:r>
-            <a:endParaRPr lang="en-KW"/>
+            <a:endParaRPr lang="en-KW" dirty="0"/>
           </a:p>
         </p:txBody>
       </p:sp>
@@ -796,7 +1159,7 @@
           <p:cNvPr id="3" name="Content Placeholder 2">
             <a:extLst>
               <a:ext uri="{FF2B5EF4-FFF2-40B4-BE49-F238E27FC236}">
-                <a16:creationId xmlns:a16="http://schemas.microsoft.com/office/drawing/2014/main" id="{A733B374-D52E-7881-8A34-73F793FF4E7E}"/>
+                <a16:creationId xmlns:a16="http://schemas.microsoft.com/office/drawing/2014/main" id="{CE834351-3D0D-BF14-0D5B-679664D172F8}"/>
               </a:ext>
             </a:extLst>
           </p:cNvPr>
@@ -810,42 +1173,57 @@
         <p:spPr/>
         <p:txBody>
           <a:bodyPr/>
-          <a:lstStyle/>
+          <a:lstStyle>
+            <a:lvl1pPr>
+              <a:defRPr b="1">
+                <a:solidFill>
+                  <a:srgbClr val="0070C0"/>
+                </a:solidFill>
+              </a:defRPr>
+            </a:lvl1pPr>
+            <a:lvl2pPr>
+              <a:defRPr b="1">
+                <a:solidFill>
+                  <a:srgbClr val="7030A0"/>
+                </a:solidFill>
+              </a:defRPr>
+            </a:lvl2pPr>
+          </a:lstStyle>
           <a:p>
             <a:pPr lvl="0"/>
             <a:r>
-              <a:rPr lang="en-US"/>
+              <a:rPr lang="en-US" dirty="0"/>
               <a:t>Click to edit Master text styles</a:t>
             </a:r>
           </a:p>
           <a:p>
             <a:pPr lvl="1"/>
             <a:r>
-              <a:rPr lang="en-US"/>
+              <a:rPr lang="en-US" dirty="0"/>
               <a:t>Second level</a:t>
             </a:r>
           </a:p>
           <a:p>
             <a:pPr lvl="2"/>
             <a:r>
-              <a:rPr lang="en-US"/>
+              <a:rPr lang="en-US" dirty="0"/>
               <a:t>Third level</a:t>
             </a:r>
           </a:p>
           <a:p>
             <a:pPr lvl="3"/>
             <a:r>
-              <a:rPr lang="en-US"/>
+              <a:rPr lang="en-US" dirty="0"/>
               <a:t>Fourth level</a:t>
             </a:r>
           </a:p>
           <a:p>
             <a:pPr lvl="4"/>
             <a:r>
-              <a:rPr lang="en-US"/>
+              <a:rPr lang="en-US" dirty="0"/>
               <a:t>Fifth level</a:t>
             </a:r>
-            <a:endParaRPr lang="en-KW"/>
+            <a:endParaRPr lang="en-KW" dirty="0"/>
           </a:p>
         </p:txBody>
       </p:sp>
@@ -854,7 +1232,7 @@
           <p:cNvPr id="4" name="Date Placeholder 3">
             <a:extLst>
               <a:ext uri="{FF2B5EF4-FFF2-40B4-BE49-F238E27FC236}">
-                <a16:creationId xmlns:a16="http://schemas.microsoft.com/office/drawing/2014/main" id="{611229A3-E674-A4CC-216E-A6077C82D74D}"/>
+                <a16:creationId xmlns:a16="http://schemas.microsoft.com/office/drawing/2014/main" id="{9FF631A2-EAAE-6ACB-F4D4-7515C1507DA3}"/>
               </a:ext>
             </a:extLst>
           </p:cNvPr>
@@ -870,9 +1248,9 @@
           <a:bodyPr/>
           <a:lstStyle/>
           <a:p>
-            <a:fld id="{A64C2476-53A7-7643-9EAB-D4BAA96030F5}" type="datetimeFigureOut">
+            <a:fld id="{AB78BAB4-45D1-EE48-BF00-BF3F291908FD}" type="datetimeFigureOut">
               <a:rPr lang="en-KW" smtClean="0"/>
-              <a:t>18/10/2025</a:t>
+              <a:t>19/10/2025</a:t>
             </a:fld>
             <a:endParaRPr lang="en-KW"/>
           </a:p>
@@ -883,7 +1261,7 @@
           <p:cNvPr id="5" name="Footer Placeholder 4">
             <a:extLst>
               <a:ext uri="{FF2B5EF4-FFF2-40B4-BE49-F238E27FC236}">
-                <a16:creationId xmlns:a16="http://schemas.microsoft.com/office/drawing/2014/main" id="{2DA3F823-2811-CCC4-24D8-1E7C806146F7}"/>
+                <a16:creationId xmlns:a16="http://schemas.microsoft.com/office/drawing/2014/main" id="{5516B446-E56C-1FEC-235C-2834246C83A4}"/>
               </a:ext>
             </a:extLst>
           </p:cNvPr>
@@ -908,7 +1286,7 @@
           <p:cNvPr id="6" name="Slide Number Placeholder 5">
             <a:extLst>
               <a:ext uri="{FF2B5EF4-FFF2-40B4-BE49-F238E27FC236}">
-                <a16:creationId xmlns:a16="http://schemas.microsoft.com/office/drawing/2014/main" id="{9357767B-8841-564C-ACD9-679583421975}"/>
+                <a16:creationId xmlns:a16="http://schemas.microsoft.com/office/drawing/2014/main" id="{768AFFA1-90D5-5E85-D9B2-73548BC1DA80}"/>
               </a:ext>
             </a:extLst>
           </p:cNvPr>
@@ -924,7 +1302,7 @@
           <a:bodyPr/>
           <a:lstStyle/>
           <a:p>
-            <a:fld id="{9967D4F1-1058-EB43-8A24-804060C92844}" type="slidenum">
+            <a:fld id="{954ED50F-1335-244D-B4F7-B306240C5011}" type="slidenum">
               <a:rPr lang="en-KW" smtClean="0"/>
               <a:t>‹#›</a:t>
             </a:fld>
@@ -935,7 +1313,7 @@
     </p:spTree>
     <p:extLst>
       <p:ext uri="{BB962C8B-B14F-4D97-AF65-F5344CB8AC3E}">
-        <p14:creationId xmlns:p14="http://schemas.microsoft.com/office/powerpoint/2010/main" val="3522243090"/>
+        <p14:creationId xmlns:p14="http://schemas.microsoft.com/office/powerpoint/2010/main" val="1787477704"/>
       </p:ext>
     </p:extLst>
   </p:cSld>
@@ -967,7 +1345,7 @@
           <p:cNvPr id="2" name="Title 1">
             <a:extLst>
               <a:ext uri="{FF2B5EF4-FFF2-40B4-BE49-F238E27FC236}">
-                <a16:creationId xmlns:a16="http://schemas.microsoft.com/office/drawing/2014/main" id="{19776E87-F5A6-1BF9-00EF-565AC03C22E1}"/>
+                <a16:creationId xmlns:a16="http://schemas.microsoft.com/office/drawing/2014/main" id="{331119B6-967D-25A1-EA0E-FB990E54B09C}"/>
               </a:ext>
             </a:extLst>
           </p:cNvPr>
@@ -1005,7 +1383,7 @@
           <p:cNvPr id="3" name="Text Placeholder 2">
             <a:extLst>
               <a:ext uri="{FF2B5EF4-FFF2-40B4-BE49-F238E27FC236}">
-                <a16:creationId xmlns:a16="http://schemas.microsoft.com/office/drawing/2014/main" id="{0DC21B76-D262-1F1A-1297-2CACAD1FC47F}"/>
+                <a16:creationId xmlns:a16="http://schemas.microsoft.com/office/drawing/2014/main" id="{EDB8708B-C405-B344-39CF-4B2EC81F55F2}"/>
               </a:ext>
             </a:extLst>
           </p:cNvPr>
@@ -1130,7 +1508,7 @@
           <p:cNvPr id="4" name="Date Placeholder 3">
             <a:extLst>
               <a:ext uri="{FF2B5EF4-FFF2-40B4-BE49-F238E27FC236}">
-                <a16:creationId xmlns:a16="http://schemas.microsoft.com/office/drawing/2014/main" id="{4954CB10-62C6-3F16-9CBF-16C70D4A7537}"/>
+                <a16:creationId xmlns:a16="http://schemas.microsoft.com/office/drawing/2014/main" id="{BB009D3A-BC32-B076-50CC-A0519B03BE0B}"/>
               </a:ext>
             </a:extLst>
           </p:cNvPr>
@@ -1146,9 +1524,9 @@
           <a:bodyPr/>
           <a:lstStyle/>
           <a:p>
-            <a:fld id="{A64C2476-53A7-7643-9EAB-D4BAA96030F5}" type="datetimeFigureOut">
+            <a:fld id="{AB78BAB4-45D1-EE48-BF00-BF3F291908FD}" type="datetimeFigureOut">
               <a:rPr lang="en-KW" smtClean="0"/>
-              <a:t>18/10/2025</a:t>
+              <a:t>19/10/2025</a:t>
             </a:fld>
             <a:endParaRPr lang="en-KW"/>
           </a:p>
@@ -1159,7 +1537,7 @@
           <p:cNvPr id="5" name="Footer Placeholder 4">
             <a:extLst>
               <a:ext uri="{FF2B5EF4-FFF2-40B4-BE49-F238E27FC236}">
-                <a16:creationId xmlns:a16="http://schemas.microsoft.com/office/drawing/2014/main" id="{4AF57B8A-D731-D665-6642-1581B6DEF462}"/>
+                <a16:creationId xmlns:a16="http://schemas.microsoft.com/office/drawing/2014/main" id="{9DC9881B-C3C1-AEA8-D905-3B09E720AF3B}"/>
               </a:ext>
             </a:extLst>
           </p:cNvPr>
@@ -1184,7 +1562,7 @@
           <p:cNvPr id="6" name="Slide Number Placeholder 5">
             <a:extLst>
               <a:ext uri="{FF2B5EF4-FFF2-40B4-BE49-F238E27FC236}">
-                <a16:creationId xmlns:a16="http://schemas.microsoft.com/office/drawing/2014/main" id="{4E5D0AA4-F14B-D92D-C70A-A1444AF09390}"/>
+                <a16:creationId xmlns:a16="http://schemas.microsoft.com/office/drawing/2014/main" id="{AF954EF5-B0F4-9935-BAFD-25F723E1CF02}"/>
               </a:ext>
             </a:extLst>
           </p:cNvPr>
@@ -1200,7 +1578,7 @@
           <a:bodyPr/>
           <a:lstStyle/>
           <a:p>
-            <a:fld id="{9967D4F1-1058-EB43-8A24-804060C92844}" type="slidenum">
+            <a:fld id="{954ED50F-1335-244D-B4F7-B306240C5011}" type="slidenum">
               <a:rPr lang="en-KW" smtClean="0"/>
               <a:t>‹#›</a:t>
             </a:fld>
@@ -1211,7 +1589,7 @@
     </p:spTree>
     <p:extLst>
       <p:ext uri="{BB962C8B-B14F-4D97-AF65-F5344CB8AC3E}">
-        <p14:creationId xmlns:p14="http://schemas.microsoft.com/office/powerpoint/2010/main" val="584451814"/>
+        <p14:creationId xmlns:p14="http://schemas.microsoft.com/office/powerpoint/2010/main" val="3770940709"/>
       </p:ext>
     </p:extLst>
   </p:cSld>
@@ -1243,7 +1621,7 @@
           <p:cNvPr id="2" name="Title 1">
             <a:extLst>
               <a:ext uri="{FF2B5EF4-FFF2-40B4-BE49-F238E27FC236}">
-                <a16:creationId xmlns:a16="http://schemas.microsoft.com/office/drawing/2014/main" id="{278C4863-718A-64EE-A625-3B0D67256C3E}"/>
+                <a16:creationId xmlns:a16="http://schemas.microsoft.com/office/drawing/2014/main" id="{FB93CECE-A557-2EA8-C9F9-9961A816ED02}"/>
               </a:ext>
             </a:extLst>
           </p:cNvPr>
@@ -1272,7 +1650,7 @@
           <p:cNvPr id="3" name="Content Placeholder 2">
             <a:extLst>
               <a:ext uri="{FF2B5EF4-FFF2-40B4-BE49-F238E27FC236}">
-                <a16:creationId xmlns:a16="http://schemas.microsoft.com/office/drawing/2014/main" id="{B1326CE6-BADD-0AD0-1FE3-1493AFA5B897}"/>
+                <a16:creationId xmlns:a16="http://schemas.microsoft.com/office/drawing/2014/main" id="{E4CECBB8-8A8C-AF32-F17F-F0CDAECBDE08}"/>
               </a:ext>
             </a:extLst>
           </p:cNvPr>
@@ -1335,7 +1713,7 @@
           <p:cNvPr id="4" name="Content Placeholder 3">
             <a:extLst>
               <a:ext uri="{FF2B5EF4-FFF2-40B4-BE49-F238E27FC236}">
-                <a16:creationId xmlns:a16="http://schemas.microsoft.com/office/drawing/2014/main" id="{447F4C1B-FA21-98F5-C07C-C3F3589014A4}"/>
+                <a16:creationId xmlns:a16="http://schemas.microsoft.com/office/drawing/2014/main" id="{2DEF3B24-1F34-901E-2F82-98F504607C6F}"/>
               </a:ext>
             </a:extLst>
           </p:cNvPr>
@@ -1398,7 +1776,7 @@
           <p:cNvPr id="5" name="Date Placeholder 4">
             <a:extLst>
               <a:ext uri="{FF2B5EF4-FFF2-40B4-BE49-F238E27FC236}">
-                <a16:creationId xmlns:a16="http://schemas.microsoft.com/office/drawing/2014/main" id="{CA621EC2-4587-7EFE-3A84-FC93B0202797}"/>
+                <a16:creationId xmlns:a16="http://schemas.microsoft.com/office/drawing/2014/main" id="{2AD2B0A3-EF2D-FA9C-33C5-D38F9FCC40B3}"/>
               </a:ext>
             </a:extLst>
           </p:cNvPr>
@@ -1414,9 +1792,9 @@
           <a:bodyPr/>
           <a:lstStyle/>
           <a:p>
-            <a:fld id="{A64C2476-53A7-7643-9EAB-D4BAA96030F5}" type="datetimeFigureOut">
+            <a:fld id="{AB78BAB4-45D1-EE48-BF00-BF3F291908FD}" type="datetimeFigureOut">
               <a:rPr lang="en-KW" smtClean="0"/>
-              <a:t>18/10/2025</a:t>
+              <a:t>19/10/2025</a:t>
             </a:fld>
             <a:endParaRPr lang="en-KW"/>
           </a:p>
@@ -1427,7 +1805,7 @@
           <p:cNvPr id="6" name="Footer Placeholder 5">
             <a:extLst>
               <a:ext uri="{FF2B5EF4-FFF2-40B4-BE49-F238E27FC236}">
-                <a16:creationId xmlns:a16="http://schemas.microsoft.com/office/drawing/2014/main" id="{1084E48D-79B9-734E-B24F-4C5D8671DEBD}"/>
+                <a16:creationId xmlns:a16="http://schemas.microsoft.com/office/drawing/2014/main" id="{D8AB99C2-9A2B-DB64-82A2-E0209C902CC5}"/>
               </a:ext>
             </a:extLst>
           </p:cNvPr>
@@ -1452,7 +1830,7 @@
           <p:cNvPr id="7" name="Slide Number Placeholder 6">
             <a:extLst>
               <a:ext uri="{FF2B5EF4-FFF2-40B4-BE49-F238E27FC236}">
-                <a16:creationId xmlns:a16="http://schemas.microsoft.com/office/drawing/2014/main" id="{AFC2CCFA-C5CA-08C7-4BAC-5338D2A00E70}"/>
+                <a16:creationId xmlns:a16="http://schemas.microsoft.com/office/drawing/2014/main" id="{E58C09A1-2960-416F-EBF8-D55BDBA4E31F}"/>
               </a:ext>
             </a:extLst>
           </p:cNvPr>
@@ -1468,7 +1846,7 @@
           <a:bodyPr/>
           <a:lstStyle/>
           <a:p>
-            <a:fld id="{9967D4F1-1058-EB43-8A24-804060C92844}" type="slidenum">
+            <a:fld id="{954ED50F-1335-244D-B4F7-B306240C5011}" type="slidenum">
               <a:rPr lang="en-KW" smtClean="0"/>
               <a:t>‹#›</a:t>
             </a:fld>
@@ -1479,7 +1857,7 @@
     </p:spTree>
     <p:extLst>
       <p:ext uri="{BB962C8B-B14F-4D97-AF65-F5344CB8AC3E}">
-        <p14:creationId xmlns:p14="http://schemas.microsoft.com/office/powerpoint/2010/main" val="3586217785"/>
+        <p14:creationId xmlns:p14="http://schemas.microsoft.com/office/powerpoint/2010/main" val="2695044192"/>
       </p:ext>
     </p:extLst>
   </p:cSld>
@@ -1511,7 +1889,7 @@
           <p:cNvPr id="2" name="Title 1">
             <a:extLst>
               <a:ext uri="{FF2B5EF4-FFF2-40B4-BE49-F238E27FC236}">
-                <a16:creationId xmlns:a16="http://schemas.microsoft.com/office/drawing/2014/main" id="{44FE6647-84BD-EF40-AB50-166853B7749D}"/>
+                <a16:creationId xmlns:a16="http://schemas.microsoft.com/office/drawing/2014/main" id="{58FEDEF8-038D-7834-6209-C2A429ABEFD9}"/>
               </a:ext>
             </a:extLst>
           </p:cNvPr>
@@ -1545,7 +1923,7 @@
           <p:cNvPr id="3" name="Text Placeholder 2">
             <a:extLst>
               <a:ext uri="{FF2B5EF4-FFF2-40B4-BE49-F238E27FC236}">
-                <a16:creationId xmlns:a16="http://schemas.microsoft.com/office/drawing/2014/main" id="{0BAE0E0E-F4CA-A5C5-535D-ABCD7E3AD001}"/>
+                <a16:creationId xmlns:a16="http://schemas.microsoft.com/office/drawing/2014/main" id="{C7D138ED-CD04-918E-3416-48073A7578E7}"/>
               </a:ext>
             </a:extLst>
           </p:cNvPr>
@@ -1616,7 +1994,7 @@
           <p:cNvPr id="4" name="Content Placeholder 3">
             <a:extLst>
               <a:ext uri="{FF2B5EF4-FFF2-40B4-BE49-F238E27FC236}">
-                <a16:creationId xmlns:a16="http://schemas.microsoft.com/office/drawing/2014/main" id="{CE95596A-3E20-E679-D460-BEBB6EDC6B72}"/>
+                <a16:creationId xmlns:a16="http://schemas.microsoft.com/office/drawing/2014/main" id="{960FA666-9B70-8184-F3C8-365A9655464B}"/>
               </a:ext>
             </a:extLst>
           </p:cNvPr>
@@ -1679,7 +2057,7 @@
           <p:cNvPr id="5" name="Text Placeholder 4">
             <a:extLst>
               <a:ext uri="{FF2B5EF4-FFF2-40B4-BE49-F238E27FC236}">
-                <a16:creationId xmlns:a16="http://schemas.microsoft.com/office/drawing/2014/main" id="{6441E731-CB36-2B5C-198C-3603E755F25D}"/>
+                <a16:creationId xmlns:a16="http://schemas.microsoft.com/office/drawing/2014/main" id="{F84863D6-A67F-AC83-0F6E-D165EBC677DF}"/>
               </a:ext>
             </a:extLst>
           </p:cNvPr>
@@ -1750,7 +2128,7 @@
           <p:cNvPr id="6" name="Content Placeholder 5">
             <a:extLst>
               <a:ext uri="{FF2B5EF4-FFF2-40B4-BE49-F238E27FC236}">
-                <a16:creationId xmlns:a16="http://schemas.microsoft.com/office/drawing/2014/main" id="{B96FF45E-74F0-8EE2-E3FC-40E25E45D09E}"/>
+                <a16:creationId xmlns:a16="http://schemas.microsoft.com/office/drawing/2014/main" id="{A24905A8-86AE-3855-AAE8-A8AF640EF6AD}"/>
               </a:ext>
             </a:extLst>
           </p:cNvPr>
@@ -1813,7 +2191,7 @@
           <p:cNvPr id="7" name="Date Placeholder 6">
             <a:extLst>
               <a:ext uri="{FF2B5EF4-FFF2-40B4-BE49-F238E27FC236}">
-                <a16:creationId xmlns:a16="http://schemas.microsoft.com/office/drawing/2014/main" id="{2A564D55-239E-C5C0-3EFF-BD0F703448EC}"/>
+                <a16:creationId xmlns:a16="http://schemas.microsoft.com/office/drawing/2014/main" id="{3924D39B-ACAB-1CCB-EB5F-A7787134C14B}"/>
               </a:ext>
             </a:extLst>
           </p:cNvPr>
@@ -1829,9 +2207,9 @@
           <a:bodyPr/>
           <a:lstStyle/>
           <a:p>
-            <a:fld id="{A64C2476-53A7-7643-9EAB-D4BAA96030F5}" type="datetimeFigureOut">
+            <a:fld id="{AB78BAB4-45D1-EE48-BF00-BF3F291908FD}" type="datetimeFigureOut">
               <a:rPr lang="en-KW" smtClean="0"/>
-              <a:t>18/10/2025</a:t>
+              <a:t>19/10/2025</a:t>
             </a:fld>
             <a:endParaRPr lang="en-KW"/>
           </a:p>
@@ -1842,7 +2220,7 @@
           <p:cNvPr id="8" name="Footer Placeholder 7">
             <a:extLst>
               <a:ext uri="{FF2B5EF4-FFF2-40B4-BE49-F238E27FC236}">
-                <a16:creationId xmlns:a16="http://schemas.microsoft.com/office/drawing/2014/main" id="{E6C2A44F-E50E-F820-BFEE-4BD03E3F3F45}"/>
+                <a16:creationId xmlns:a16="http://schemas.microsoft.com/office/drawing/2014/main" id="{A2A968B2-7704-A144-F071-5C7106A26070}"/>
               </a:ext>
             </a:extLst>
           </p:cNvPr>
@@ -1867,7 +2245,7 @@
           <p:cNvPr id="9" name="Slide Number Placeholder 8">
             <a:extLst>
               <a:ext uri="{FF2B5EF4-FFF2-40B4-BE49-F238E27FC236}">
-                <a16:creationId xmlns:a16="http://schemas.microsoft.com/office/drawing/2014/main" id="{CDA18932-84AC-E504-1650-E4218E5933A8}"/>
+                <a16:creationId xmlns:a16="http://schemas.microsoft.com/office/drawing/2014/main" id="{6B1163C4-B312-E8A1-AAEA-C04E837EFE8E}"/>
               </a:ext>
             </a:extLst>
           </p:cNvPr>
@@ -1883,7 +2261,7 @@
           <a:bodyPr/>
           <a:lstStyle/>
           <a:p>
-            <a:fld id="{9967D4F1-1058-EB43-8A24-804060C92844}" type="slidenum">
+            <a:fld id="{954ED50F-1335-244D-B4F7-B306240C5011}" type="slidenum">
               <a:rPr lang="en-KW" smtClean="0"/>
               <a:t>‹#›</a:t>
             </a:fld>
@@ -1894,7 +2272,7 @@
     </p:spTree>
     <p:extLst>
       <p:ext uri="{BB962C8B-B14F-4D97-AF65-F5344CB8AC3E}">
-        <p14:creationId xmlns:p14="http://schemas.microsoft.com/office/powerpoint/2010/main" val="2950726466"/>
+        <p14:creationId xmlns:p14="http://schemas.microsoft.com/office/powerpoint/2010/main" val="3616923087"/>
       </p:ext>
     </p:extLst>
   </p:cSld>
@@ -1926,7 +2304,7 @@
           <p:cNvPr id="2" name="Title 1">
             <a:extLst>
               <a:ext uri="{FF2B5EF4-FFF2-40B4-BE49-F238E27FC236}">
-                <a16:creationId xmlns:a16="http://schemas.microsoft.com/office/drawing/2014/main" id="{909F114E-D468-75F9-6312-FE4DB6BBC39A}"/>
+                <a16:creationId xmlns:a16="http://schemas.microsoft.com/office/drawing/2014/main" id="{251377E2-3547-CBB3-209D-376E78C3A797}"/>
               </a:ext>
             </a:extLst>
           </p:cNvPr>
@@ -1955,7 +2333,7 @@
           <p:cNvPr id="3" name="Date Placeholder 2">
             <a:extLst>
               <a:ext uri="{FF2B5EF4-FFF2-40B4-BE49-F238E27FC236}">
-                <a16:creationId xmlns:a16="http://schemas.microsoft.com/office/drawing/2014/main" id="{353D3F31-0CB3-667D-7A24-66A8A17D927D}"/>
+                <a16:creationId xmlns:a16="http://schemas.microsoft.com/office/drawing/2014/main" id="{20E6FEC2-C79E-CD82-94BB-6E3B70673F14}"/>
               </a:ext>
             </a:extLst>
           </p:cNvPr>
@@ -1971,9 +2349,9 @@
           <a:bodyPr/>
           <a:lstStyle/>
           <a:p>
-            <a:fld id="{A64C2476-53A7-7643-9EAB-D4BAA96030F5}" type="datetimeFigureOut">
+            <a:fld id="{AB78BAB4-45D1-EE48-BF00-BF3F291908FD}" type="datetimeFigureOut">
               <a:rPr lang="en-KW" smtClean="0"/>
-              <a:t>18/10/2025</a:t>
+              <a:t>19/10/2025</a:t>
             </a:fld>
             <a:endParaRPr lang="en-KW"/>
           </a:p>
@@ -1984,7 +2362,7 @@
           <p:cNvPr id="4" name="Footer Placeholder 3">
             <a:extLst>
               <a:ext uri="{FF2B5EF4-FFF2-40B4-BE49-F238E27FC236}">
-                <a16:creationId xmlns:a16="http://schemas.microsoft.com/office/drawing/2014/main" id="{0830EF63-DE4F-486F-7C57-6F22B0B43B7A}"/>
+                <a16:creationId xmlns:a16="http://schemas.microsoft.com/office/drawing/2014/main" id="{C1E928F1-E5BB-D61D-7D55-574CAA728D1C}"/>
               </a:ext>
             </a:extLst>
           </p:cNvPr>
@@ -2009,7 +2387,7 @@
           <p:cNvPr id="5" name="Slide Number Placeholder 4">
             <a:extLst>
               <a:ext uri="{FF2B5EF4-FFF2-40B4-BE49-F238E27FC236}">
-                <a16:creationId xmlns:a16="http://schemas.microsoft.com/office/drawing/2014/main" id="{64FA5FD4-A1AD-6E8A-FB7D-20FB4D2993BD}"/>
+                <a16:creationId xmlns:a16="http://schemas.microsoft.com/office/drawing/2014/main" id="{53CD2419-FC3A-4FF1-ADDB-80310C4CAECD}"/>
               </a:ext>
             </a:extLst>
           </p:cNvPr>
@@ -2025,7 +2403,7 @@
           <a:bodyPr/>
           <a:lstStyle/>
           <a:p>
-            <a:fld id="{9967D4F1-1058-EB43-8A24-804060C92844}" type="slidenum">
+            <a:fld id="{954ED50F-1335-244D-B4F7-B306240C5011}" type="slidenum">
               <a:rPr lang="en-KW" smtClean="0"/>
               <a:t>‹#›</a:t>
             </a:fld>
@@ -2036,7 +2414,7 @@
     </p:spTree>
     <p:extLst>
       <p:ext uri="{BB962C8B-B14F-4D97-AF65-F5344CB8AC3E}">
-        <p14:creationId xmlns:p14="http://schemas.microsoft.com/office/powerpoint/2010/main" val="379461828"/>
+        <p14:creationId xmlns:p14="http://schemas.microsoft.com/office/powerpoint/2010/main" val="3769531278"/>
       </p:ext>
     </p:extLst>
   </p:cSld>
@@ -2068,7 +2446,7 @@
           <p:cNvPr id="2" name="Date Placeholder 1">
             <a:extLst>
               <a:ext uri="{FF2B5EF4-FFF2-40B4-BE49-F238E27FC236}">
-                <a16:creationId xmlns:a16="http://schemas.microsoft.com/office/drawing/2014/main" id="{88075F52-AABB-0157-1C95-AF3BD70FD0E7}"/>
+                <a16:creationId xmlns:a16="http://schemas.microsoft.com/office/drawing/2014/main" id="{6F23F98D-9DCB-D04F-1304-1261674F54A1}"/>
               </a:ext>
             </a:extLst>
           </p:cNvPr>
@@ -2084,9 +2462,9 @@
           <a:bodyPr/>
           <a:lstStyle/>
           <a:p>
-            <a:fld id="{A64C2476-53A7-7643-9EAB-D4BAA96030F5}" type="datetimeFigureOut">
+            <a:fld id="{AB78BAB4-45D1-EE48-BF00-BF3F291908FD}" type="datetimeFigureOut">
               <a:rPr lang="en-KW" smtClean="0"/>
-              <a:t>18/10/2025</a:t>
+              <a:t>19/10/2025</a:t>
             </a:fld>
             <a:endParaRPr lang="en-KW"/>
           </a:p>
@@ -2097,7 +2475,7 @@
           <p:cNvPr id="3" name="Footer Placeholder 2">
             <a:extLst>
               <a:ext uri="{FF2B5EF4-FFF2-40B4-BE49-F238E27FC236}">
-                <a16:creationId xmlns:a16="http://schemas.microsoft.com/office/drawing/2014/main" id="{F24E63A1-0FA9-011D-C84F-1D60E9543F64}"/>
+                <a16:creationId xmlns:a16="http://schemas.microsoft.com/office/drawing/2014/main" id="{40382328-DCE1-F392-6F10-11158E942F2C}"/>
               </a:ext>
             </a:extLst>
           </p:cNvPr>
@@ -2122,7 +2500,7 @@
           <p:cNvPr id="4" name="Slide Number Placeholder 3">
             <a:extLst>
               <a:ext uri="{FF2B5EF4-FFF2-40B4-BE49-F238E27FC236}">
-                <a16:creationId xmlns:a16="http://schemas.microsoft.com/office/drawing/2014/main" id="{3B8A703D-5F3A-A131-9A38-A1D421367796}"/>
+                <a16:creationId xmlns:a16="http://schemas.microsoft.com/office/drawing/2014/main" id="{16AC5402-FEB5-A5AC-E766-3CE8858D4014}"/>
               </a:ext>
             </a:extLst>
           </p:cNvPr>
@@ -2138,7 +2516,7 @@
           <a:bodyPr/>
           <a:lstStyle/>
           <a:p>
-            <a:fld id="{9967D4F1-1058-EB43-8A24-804060C92844}" type="slidenum">
+            <a:fld id="{954ED50F-1335-244D-B4F7-B306240C5011}" type="slidenum">
               <a:rPr lang="en-KW" smtClean="0"/>
               <a:t>‹#›</a:t>
             </a:fld>
@@ -2149,7 +2527,7 @@
     </p:spTree>
     <p:extLst>
       <p:ext uri="{BB962C8B-B14F-4D97-AF65-F5344CB8AC3E}">
-        <p14:creationId xmlns:p14="http://schemas.microsoft.com/office/powerpoint/2010/main" val="3595422401"/>
+        <p14:creationId xmlns:p14="http://schemas.microsoft.com/office/powerpoint/2010/main" val="2787116362"/>
       </p:ext>
     </p:extLst>
   </p:cSld>
@@ -2181,7 +2559,7 @@
           <p:cNvPr id="2" name="Title 1">
             <a:extLst>
               <a:ext uri="{FF2B5EF4-FFF2-40B4-BE49-F238E27FC236}">
-                <a16:creationId xmlns:a16="http://schemas.microsoft.com/office/drawing/2014/main" id="{F5BB8BF3-9012-980C-C986-E5FC6A782A35}"/>
+                <a16:creationId xmlns:a16="http://schemas.microsoft.com/office/drawing/2014/main" id="{1B770EBA-1B9E-C9EB-2AEB-1056A28F505B}"/>
               </a:ext>
             </a:extLst>
           </p:cNvPr>
@@ -2219,7 +2597,7 @@
           <p:cNvPr id="3" name="Content Placeholder 2">
             <a:extLst>
               <a:ext uri="{FF2B5EF4-FFF2-40B4-BE49-F238E27FC236}">
-                <a16:creationId xmlns:a16="http://schemas.microsoft.com/office/drawing/2014/main" id="{3D6EA50C-326A-3026-6E07-E8D4015FD157}"/>
+                <a16:creationId xmlns:a16="http://schemas.microsoft.com/office/drawing/2014/main" id="{A5A8B520-7670-DFB7-E67F-9FF193A13443}"/>
               </a:ext>
             </a:extLst>
           </p:cNvPr>
@@ -2310,7 +2688,7 @@
           <p:cNvPr id="4" name="Text Placeholder 3">
             <a:extLst>
               <a:ext uri="{FF2B5EF4-FFF2-40B4-BE49-F238E27FC236}">
-                <a16:creationId xmlns:a16="http://schemas.microsoft.com/office/drawing/2014/main" id="{A05E5E6A-72B4-0ED6-9F36-4BC65700624A}"/>
+                <a16:creationId xmlns:a16="http://schemas.microsoft.com/office/drawing/2014/main" id="{C6B7A22F-3B40-32A7-450D-7900DEC0A6FB}"/>
               </a:ext>
             </a:extLst>
           </p:cNvPr>
@@ -2381,7 +2759,7 @@
           <p:cNvPr id="5" name="Date Placeholder 4">
             <a:extLst>
               <a:ext uri="{FF2B5EF4-FFF2-40B4-BE49-F238E27FC236}">
-                <a16:creationId xmlns:a16="http://schemas.microsoft.com/office/drawing/2014/main" id="{4168D28D-0AFF-B147-D48B-803E18E96830}"/>
+                <a16:creationId xmlns:a16="http://schemas.microsoft.com/office/drawing/2014/main" id="{1C4EFBB0-D546-4C3D-05F9-BA2CC417D1F6}"/>
               </a:ext>
             </a:extLst>
           </p:cNvPr>
@@ -2397,9 +2775,9 @@
           <a:bodyPr/>
           <a:lstStyle/>
           <a:p>
-            <a:fld id="{A64C2476-53A7-7643-9EAB-D4BAA96030F5}" type="datetimeFigureOut">
+            <a:fld id="{AB78BAB4-45D1-EE48-BF00-BF3F291908FD}" type="datetimeFigureOut">
               <a:rPr lang="en-KW" smtClean="0"/>
-              <a:t>18/10/2025</a:t>
+              <a:t>19/10/2025</a:t>
             </a:fld>
             <a:endParaRPr lang="en-KW"/>
           </a:p>
@@ -2410,7 +2788,7 @@
           <p:cNvPr id="6" name="Footer Placeholder 5">
             <a:extLst>
               <a:ext uri="{FF2B5EF4-FFF2-40B4-BE49-F238E27FC236}">
-                <a16:creationId xmlns:a16="http://schemas.microsoft.com/office/drawing/2014/main" id="{5FEBBCFC-CD47-FAC2-B8B5-D207FE18B700}"/>
+                <a16:creationId xmlns:a16="http://schemas.microsoft.com/office/drawing/2014/main" id="{CE0D591F-74DD-C836-F2FD-3D2CC7AEF489}"/>
               </a:ext>
             </a:extLst>
           </p:cNvPr>
@@ -2435,7 +2813,7 @@
           <p:cNvPr id="7" name="Slide Number Placeholder 6">
             <a:extLst>
               <a:ext uri="{FF2B5EF4-FFF2-40B4-BE49-F238E27FC236}">
-                <a16:creationId xmlns:a16="http://schemas.microsoft.com/office/drawing/2014/main" id="{9A779EE8-C7C6-7938-C6DB-7E486C80EDFB}"/>
+                <a16:creationId xmlns:a16="http://schemas.microsoft.com/office/drawing/2014/main" id="{8D6E8F9F-FA95-BB44-CBB3-D1CEC83C8DCF}"/>
               </a:ext>
             </a:extLst>
           </p:cNvPr>
@@ -2451,7 +2829,7 @@
           <a:bodyPr/>
           <a:lstStyle/>
           <a:p>
-            <a:fld id="{9967D4F1-1058-EB43-8A24-804060C92844}" type="slidenum">
+            <a:fld id="{954ED50F-1335-244D-B4F7-B306240C5011}" type="slidenum">
               <a:rPr lang="en-KW" smtClean="0"/>
               <a:t>‹#›</a:t>
             </a:fld>
@@ -2462,7 +2840,7 @@
     </p:spTree>
     <p:extLst>
       <p:ext uri="{BB962C8B-B14F-4D97-AF65-F5344CB8AC3E}">
-        <p14:creationId xmlns:p14="http://schemas.microsoft.com/office/powerpoint/2010/main" val="1687874685"/>
+        <p14:creationId xmlns:p14="http://schemas.microsoft.com/office/powerpoint/2010/main" val="809109942"/>
       </p:ext>
     </p:extLst>
   </p:cSld>
@@ -2494,7 +2872,7 @@
           <p:cNvPr id="2" name="Title 1">
             <a:extLst>
               <a:ext uri="{FF2B5EF4-FFF2-40B4-BE49-F238E27FC236}">
-                <a16:creationId xmlns:a16="http://schemas.microsoft.com/office/drawing/2014/main" id="{FF254333-9B4F-3A60-E573-2AE9A8713142}"/>
+                <a16:creationId xmlns:a16="http://schemas.microsoft.com/office/drawing/2014/main" id="{A922636B-66DA-3672-5C55-90B3F3ECA709}"/>
               </a:ext>
             </a:extLst>
           </p:cNvPr>
@@ -2532,7 +2910,7 @@
           <p:cNvPr id="3" name="Picture Placeholder 2">
             <a:extLst>
               <a:ext uri="{FF2B5EF4-FFF2-40B4-BE49-F238E27FC236}">
-                <a16:creationId xmlns:a16="http://schemas.microsoft.com/office/drawing/2014/main" id="{64660E79-90E6-573A-939F-1623FED7EAC3}"/>
+                <a16:creationId xmlns:a16="http://schemas.microsoft.com/office/drawing/2014/main" id="{4309A154-828D-5527-60D6-27056B3BE5AD}"/>
               </a:ext>
             </a:extLst>
           </p:cNvPr>
@@ -2599,7 +2977,7 @@
           <p:cNvPr id="4" name="Text Placeholder 3">
             <a:extLst>
               <a:ext uri="{FF2B5EF4-FFF2-40B4-BE49-F238E27FC236}">
-                <a16:creationId xmlns:a16="http://schemas.microsoft.com/office/drawing/2014/main" id="{0BA3D721-B65F-E82E-427E-8B15C5DB8849}"/>
+                <a16:creationId xmlns:a16="http://schemas.microsoft.com/office/drawing/2014/main" id="{1003C6F8-B1CB-084C-A99B-3F588120057D}"/>
               </a:ext>
             </a:extLst>
           </p:cNvPr>
@@ -2670,7 +3048,7 @@
           <p:cNvPr id="5" name="Date Placeholder 4">
             <a:extLst>
               <a:ext uri="{FF2B5EF4-FFF2-40B4-BE49-F238E27FC236}">
-                <a16:creationId xmlns:a16="http://schemas.microsoft.com/office/drawing/2014/main" id="{5F20D975-2656-B34F-C0FD-E60B7DAA535F}"/>
+                <a16:creationId xmlns:a16="http://schemas.microsoft.com/office/drawing/2014/main" id="{4EB9D2AB-2C09-6601-6504-3FB78C967CD4}"/>
               </a:ext>
             </a:extLst>
           </p:cNvPr>
@@ -2686,9 +3064,9 @@
           <a:bodyPr/>
           <a:lstStyle/>
           <a:p>
-            <a:fld id="{A64C2476-53A7-7643-9EAB-D4BAA96030F5}" type="datetimeFigureOut">
+            <a:fld id="{AB78BAB4-45D1-EE48-BF00-BF3F291908FD}" type="datetimeFigureOut">
               <a:rPr lang="en-KW" smtClean="0"/>
-              <a:t>18/10/2025</a:t>
+              <a:t>19/10/2025</a:t>
             </a:fld>
             <a:endParaRPr lang="en-KW"/>
           </a:p>
@@ -2699,7 +3077,7 @@
           <p:cNvPr id="6" name="Footer Placeholder 5">
             <a:extLst>
               <a:ext uri="{FF2B5EF4-FFF2-40B4-BE49-F238E27FC236}">
-                <a16:creationId xmlns:a16="http://schemas.microsoft.com/office/drawing/2014/main" id="{BE9AA31A-76B9-0230-65B9-425275C9F1A7}"/>
+                <a16:creationId xmlns:a16="http://schemas.microsoft.com/office/drawing/2014/main" id="{22324D3B-3843-A1FF-6CB7-43E271B62C23}"/>
               </a:ext>
             </a:extLst>
           </p:cNvPr>
@@ -2724,7 +3102,7 @@
           <p:cNvPr id="7" name="Slide Number Placeholder 6">
             <a:extLst>
               <a:ext uri="{FF2B5EF4-FFF2-40B4-BE49-F238E27FC236}">
-                <a16:creationId xmlns:a16="http://schemas.microsoft.com/office/drawing/2014/main" id="{97F62A9A-8001-5731-7DC4-6007EBF9524C}"/>
+                <a16:creationId xmlns:a16="http://schemas.microsoft.com/office/drawing/2014/main" id="{84054B6E-E964-9A60-F11B-7777E97ADEBB}"/>
               </a:ext>
             </a:extLst>
           </p:cNvPr>
@@ -2740,7 +3118,7 @@
           <a:bodyPr/>
           <a:lstStyle/>
           <a:p>
-            <a:fld id="{9967D4F1-1058-EB43-8A24-804060C92844}" type="slidenum">
+            <a:fld id="{954ED50F-1335-244D-B4F7-B306240C5011}" type="slidenum">
               <a:rPr lang="en-KW" smtClean="0"/>
               <a:t>‹#›</a:t>
             </a:fld>
@@ -2751,7 +3129,7 @@
     </p:spTree>
     <p:extLst>
       <p:ext uri="{BB962C8B-B14F-4D97-AF65-F5344CB8AC3E}">
-        <p14:creationId xmlns:p14="http://schemas.microsoft.com/office/powerpoint/2010/main" val="2485125736"/>
+        <p14:creationId xmlns:p14="http://schemas.microsoft.com/office/powerpoint/2010/main" val="1218949368"/>
       </p:ext>
     </p:extLst>
   </p:cSld>
@@ -2788,7 +3166,7 @@
           <p:cNvPr id="2" name="Title Placeholder 1">
             <a:extLst>
               <a:ext uri="{FF2B5EF4-FFF2-40B4-BE49-F238E27FC236}">
-                <a16:creationId xmlns:a16="http://schemas.microsoft.com/office/drawing/2014/main" id="{6AF63B2B-0D90-1EB6-7309-22EF0BB1EAB3}"/>
+                <a16:creationId xmlns:a16="http://schemas.microsoft.com/office/drawing/2014/main" id="{6B614A35-6333-5A38-881D-92447D7F12D0}"/>
               </a:ext>
             </a:extLst>
           </p:cNvPr>
@@ -2827,7 +3205,7 @@
           <p:cNvPr id="3" name="Text Placeholder 2">
             <a:extLst>
               <a:ext uri="{FF2B5EF4-FFF2-40B4-BE49-F238E27FC236}">
-                <a16:creationId xmlns:a16="http://schemas.microsoft.com/office/drawing/2014/main" id="{38ABEE19-CDAD-ADBC-E425-4013165D0980}"/>
+                <a16:creationId xmlns:a16="http://schemas.microsoft.com/office/drawing/2014/main" id="{EEDA2A0A-9A15-AF59-D197-31710751D198}"/>
               </a:ext>
             </a:extLst>
           </p:cNvPr>
@@ -2895,7 +3273,7 @@
           <p:cNvPr id="4" name="Date Placeholder 3">
             <a:extLst>
               <a:ext uri="{FF2B5EF4-FFF2-40B4-BE49-F238E27FC236}">
-                <a16:creationId xmlns:a16="http://schemas.microsoft.com/office/drawing/2014/main" id="{BCE6306D-134A-C3AE-B7B0-B00163CA7C73}"/>
+                <a16:creationId xmlns:a16="http://schemas.microsoft.com/office/drawing/2014/main" id="{B421B62D-BF38-77EA-FB49-6A345C9173B7}"/>
               </a:ext>
             </a:extLst>
           </p:cNvPr>
@@ -2929,9 +3307,9 @@
             </a:lvl1pPr>
           </a:lstStyle>
           <a:p>
-            <a:fld id="{A64C2476-53A7-7643-9EAB-D4BAA96030F5}" type="datetimeFigureOut">
+            <a:fld id="{AB78BAB4-45D1-EE48-BF00-BF3F291908FD}" type="datetimeFigureOut">
               <a:rPr lang="en-KW" smtClean="0"/>
-              <a:t>18/10/2025</a:t>
+              <a:t>19/10/2025</a:t>
             </a:fld>
             <a:endParaRPr lang="en-KW"/>
           </a:p>
@@ -2942,7 +3320,7 @@
           <p:cNvPr id="5" name="Footer Placeholder 4">
             <a:extLst>
               <a:ext uri="{FF2B5EF4-FFF2-40B4-BE49-F238E27FC236}">
-                <a16:creationId xmlns:a16="http://schemas.microsoft.com/office/drawing/2014/main" id="{C5625949-3CED-FFE8-2C72-74D906C755A6}"/>
+                <a16:creationId xmlns:a16="http://schemas.microsoft.com/office/drawing/2014/main" id="{A4B9E836-83C3-5E8C-7A20-323C54432202}"/>
               </a:ext>
             </a:extLst>
           </p:cNvPr>
@@ -2985,7 +3363,7 @@
           <p:cNvPr id="6" name="Slide Number Placeholder 5">
             <a:extLst>
               <a:ext uri="{FF2B5EF4-FFF2-40B4-BE49-F238E27FC236}">
-                <a16:creationId xmlns:a16="http://schemas.microsoft.com/office/drawing/2014/main" id="{30B0BF4F-FF5D-2F98-A969-15BF11E43109}"/>
+                <a16:creationId xmlns:a16="http://schemas.microsoft.com/office/drawing/2014/main" id="{E2F48206-E860-1902-21BA-53BD22E2B850}"/>
               </a:ext>
             </a:extLst>
           </p:cNvPr>
@@ -3019,7 +3397,7 @@
             </a:lvl1pPr>
           </a:lstStyle>
           <a:p>
-            <a:fld id="{9967D4F1-1058-EB43-8A24-804060C92844}" type="slidenum">
+            <a:fld id="{954ED50F-1335-244D-B4F7-B306240C5011}" type="slidenum">
               <a:rPr lang="en-KW" smtClean="0"/>
               <a:t>‹#›</a:t>
             </a:fld>
@@ -3030,7 +3408,7 @@
     </p:spTree>
     <p:extLst>
       <p:ext uri="{BB962C8B-B14F-4D97-AF65-F5344CB8AC3E}">
-        <p14:creationId xmlns:p14="http://schemas.microsoft.com/office/powerpoint/2010/main" val="195886666"/>
+        <p14:creationId xmlns:p14="http://schemas.microsoft.com/office/powerpoint/2010/main" val="47488048"/>
       </p:ext>
     </p:extLst>
   </p:cSld>
@@ -3353,7 +3731,7 @@
           <p:cNvPr id="2" name="Title 1">
             <a:extLst>
               <a:ext uri="{FF2B5EF4-FFF2-40B4-BE49-F238E27FC236}">
-                <a16:creationId xmlns:a16="http://schemas.microsoft.com/office/drawing/2014/main" id="{37772D89-2A7E-BDEA-F4BD-B2E4494C66F8}"/>
+                <a16:creationId xmlns:a16="http://schemas.microsoft.com/office/drawing/2014/main" id="{F8343776-8520-D894-E08F-ECB183D9BF0F}"/>
               </a:ext>
             </a:extLst>
           </p:cNvPr>
@@ -3370,8 +3748,8 @@
           <a:lstStyle/>
           <a:p>
             <a:r>
-              <a:rPr lang="en-KW" dirty="0"/>
-              <a:t>Introduction to Machine Learning with Python</a:t>
+              <a:rPr lang="en-KW" b="1" dirty="0"/>
+              <a:t>Machine Learning with Python</a:t>
             </a:r>
           </a:p>
         </p:txBody>
@@ -3381,7 +3759,7 @@
           <p:cNvPr id="3" name="Subtitle 2">
             <a:extLst>
               <a:ext uri="{FF2B5EF4-FFF2-40B4-BE49-F238E27FC236}">
-                <a16:creationId xmlns:a16="http://schemas.microsoft.com/office/drawing/2014/main" id="{17F7D986-F988-EA33-E364-4FF9F81C76DD}"/>
+                <a16:creationId xmlns:a16="http://schemas.microsoft.com/office/drawing/2014/main" id="{0D858F23-CC65-7302-3FAD-EE84686DE89A}"/>
               </a:ext>
             </a:extLst>
           </p:cNvPr>
@@ -3394,7 +3772,9 @@
         </p:nvSpPr>
         <p:spPr/>
         <p:txBody>
-          <a:bodyPr/>
+          <a:bodyPr>
+            <a:normAutofit/>
+          </a:bodyPr>
           <a:lstStyle/>
           <a:p>
             <a:r>
@@ -3411,7 +3791,7 @@
           <a:p>
             <a:r>
               <a:rPr lang="en-KW" b="1" dirty="0"/>
-              <a:t>Kuwait Institute for Scientific Research</a:t>
+              <a:t>October 2025</a:t>
             </a:r>
           </a:p>
         </p:txBody>
@@ -3419,7 +3799,7 @@
     </p:spTree>
     <p:extLst>
       <p:ext uri="{BB962C8B-B14F-4D97-AF65-F5344CB8AC3E}">
-        <p14:creationId xmlns:p14="http://schemas.microsoft.com/office/powerpoint/2010/main" val="3415107300"/>
+        <p14:creationId xmlns:p14="http://schemas.microsoft.com/office/powerpoint/2010/main" val="2124809095"/>
       </p:ext>
     </p:extLst>
   </p:cSld>
@@ -3430,6 +3810,185 @@
 </file>
 
 <file path=ppt/slides/slide2.xml><?xml version="1.0" encoding="utf-8"?>
+<p:sld xmlns:a="http://schemas.openxmlformats.org/drawingml/2006/main" xmlns:r="http://schemas.openxmlformats.org/officeDocument/2006/relationships" xmlns:p="http://schemas.openxmlformats.org/presentationml/2006/main">
+  <p:cSld>
+    <p:spTree>
+      <p:nvGrpSpPr>
+        <p:cNvPr id="1" name="">
+          <a:extLst>
+            <a:ext uri="{FF2B5EF4-FFF2-40B4-BE49-F238E27FC236}">
+              <a16:creationId xmlns:a16="http://schemas.microsoft.com/office/drawing/2014/main" id="{B6BD43C5-F969-2D2B-E484-3768B270474A}"/>
+            </a:ext>
+          </a:extLst>
+        </p:cNvPr>
+        <p:cNvGrpSpPr/>
+        <p:nvPr/>
+      </p:nvGrpSpPr>
+      <p:grpSpPr>
+        <a:xfrm>
+          <a:off x="0" y="0"/>
+          <a:ext cx="0" cy="0"/>
+          <a:chOff x="0" y="0"/>
+          <a:chExt cx="0" cy="0"/>
+        </a:xfrm>
+      </p:grpSpPr>
+      <p:sp>
+        <p:nvSpPr>
+          <p:cNvPr id="2" name="Title 1">
+            <a:extLst>
+              <a:ext uri="{FF2B5EF4-FFF2-40B4-BE49-F238E27FC236}">
+                <a16:creationId xmlns:a16="http://schemas.microsoft.com/office/drawing/2014/main" id="{A29772CA-3133-73A7-D064-2A34A7FF71EF}"/>
+              </a:ext>
+            </a:extLst>
+          </p:cNvPr>
+          <p:cNvSpPr>
+            <a:spLocks noGrp="1"/>
+          </p:cNvSpPr>
+          <p:nvPr>
+            <p:ph type="title"/>
+          </p:nvPr>
+        </p:nvSpPr>
+        <p:spPr/>
+        <p:txBody>
+          <a:bodyPr/>
+          <a:lstStyle/>
+          <a:p>
+            <a:r>
+              <a:rPr lang="en-KW" dirty="0"/>
+              <a:t>Preliminaries</a:t>
+            </a:r>
+          </a:p>
+        </p:txBody>
+      </p:sp>
+      <p:sp>
+        <p:nvSpPr>
+          <p:cNvPr id="3" name="Content Placeholder 2">
+            <a:extLst>
+              <a:ext uri="{FF2B5EF4-FFF2-40B4-BE49-F238E27FC236}">
+                <a16:creationId xmlns:a16="http://schemas.microsoft.com/office/drawing/2014/main" id="{7EDAF2A4-BC2E-21FD-9AA0-B01A26BDDD53}"/>
+              </a:ext>
+            </a:extLst>
+          </p:cNvPr>
+          <p:cNvSpPr>
+            <a:spLocks noGrp="1"/>
+          </p:cNvSpPr>
+          <p:nvPr>
+            <p:ph idx="1"/>
+          </p:nvPr>
+        </p:nvSpPr>
+        <p:spPr/>
+        <p:txBody>
+          <a:bodyPr>
+            <a:normAutofit fontScale="92500" lnSpcReduction="10000"/>
+          </a:bodyPr>
+          <a:lstStyle/>
+          <a:p>
+            <a:r>
+              <a:rPr lang="en-KW" dirty="0"/>
+              <a:t>Need to have a working experience with a programming language such as C, C++, Javascript, R, Matlab, Python, etc.</a:t>
+            </a:r>
+          </a:p>
+          <a:p>
+            <a:r>
+              <a:rPr lang="en-KW" dirty="0"/>
+              <a:t>Course materials, slides and code, will be regularly updated and are available at:</a:t>
+            </a:r>
+          </a:p>
+          <a:p>
+            <a:pPr marL="0" indent="0" algn="ctr">
+              <a:buNone/>
+            </a:pPr>
+            <a:r>
+              <a:rPr lang="en-US" dirty="0">
+                <a:solidFill>
+                  <a:srgbClr val="00B0F0"/>
+                </a:solidFill>
+              </a:rPr>
+              <a:t>https://</a:t>
+            </a:r>
+            <a:r>
+              <a:rPr lang="en-US" dirty="0" err="1">
+                <a:solidFill>
+                  <a:srgbClr val="00B0F0"/>
+                </a:solidFill>
+              </a:rPr>
+              <a:t>github.com</a:t>
+            </a:r>
+            <a:r>
+              <a:rPr lang="en-US" dirty="0">
+                <a:solidFill>
+                  <a:srgbClr val="00B0F0"/>
+                </a:solidFill>
+              </a:rPr>
+              <a:t>/</a:t>
+            </a:r>
+            <a:r>
+              <a:rPr lang="en-US" dirty="0" err="1">
+                <a:solidFill>
+                  <a:srgbClr val="00B0F0"/>
+                </a:solidFill>
+              </a:rPr>
+              <a:t>KISRDevelopment</a:t>
+            </a:r>
+            <a:r>
+              <a:rPr lang="en-US" dirty="0">
+                <a:solidFill>
+                  <a:srgbClr val="00B0F0"/>
+                </a:solidFill>
+              </a:rPr>
+              <a:t>/python-ml-2025</a:t>
+            </a:r>
+          </a:p>
+          <a:p>
+            <a:pPr lvl="1"/>
+            <a:r>
+              <a:rPr lang="en-US" dirty="0"/>
+              <a:t>You can download the whole package as a zip file</a:t>
+            </a:r>
+          </a:p>
+          <a:p>
+            <a:pPr lvl="1"/>
+            <a:r>
+              <a:rPr lang="en-US" dirty="0"/>
+              <a:t>Or use </a:t>
+            </a:r>
+            <a:r>
+              <a:rPr lang="en-US" i="1" dirty="0"/>
+              <a:t>git</a:t>
+            </a:r>
+            <a:r>
+              <a:rPr lang="en-US" dirty="0"/>
+              <a:t> if you know how to use it</a:t>
+            </a:r>
+          </a:p>
+          <a:p>
+            <a:r>
+              <a:rPr lang="en-US" dirty="0"/>
+              <a:t>Course is organized in blocks, with each block followed by a code demonstration. </a:t>
+            </a:r>
+          </a:p>
+          <a:p>
+            <a:r>
+              <a:rPr lang="en-US" dirty="0"/>
+              <a:t>Try to follow-along, but if you can’t, the code is available on the link above.</a:t>
+            </a:r>
+          </a:p>
+        </p:txBody>
+      </p:sp>
+    </p:spTree>
+    <p:extLst>
+      <p:ext uri="{BB962C8B-B14F-4D97-AF65-F5344CB8AC3E}">
+        <p14:creationId xmlns:p14="http://schemas.microsoft.com/office/powerpoint/2010/main" val="813584584"/>
+      </p:ext>
+    </p:extLst>
+  </p:cSld>
+  <p:clrMapOvr>
+    <a:masterClrMapping/>
+  </p:clrMapOvr>
+</p:sld>
+</file>
+
+<file path=ppt/slides/slide3.xml><?xml version="1.0" encoding="utf-8"?>
 <p:sld xmlns:a="http://schemas.openxmlformats.org/drawingml/2006/main" xmlns:r="http://schemas.openxmlformats.org/officeDocument/2006/relationships" xmlns:p="http://schemas.openxmlformats.org/presentationml/2006/main">
   <p:cSld>
     <p:spTree>
@@ -3451,7 +4010,7 @@
           <p:cNvPr id="2" name="Title 1">
             <a:extLst>
               <a:ext uri="{FF2B5EF4-FFF2-40B4-BE49-F238E27FC236}">
-                <a16:creationId xmlns:a16="http://schemas.microsoft.com/office/drawing/2014/main" id="{37DFC823-B9BF-D820-D7A0-2738F3D41D22}"/>
+                <a16:creationId xmlns:a16="http://schemas.microsoft.com/office/drawing/2014/main" id="{0BD11739-2DCD-99A2-2209-E4E7C0C90A7A}"/>
               </a:ext>
             </a:extLst>
           </p:cNvPr>
@@ -3462,6 +4021,39 @@
             <p:ph type="title"/>
           </p:nvPr>
         </p:nvSpPr>
+        <p:spPr>
+          <a:xfrm>
+            <a:off x="838200" y="390064"/>
+            <a:ext cx="10515600" cy="1325563"/>
+          </a:xfrm>
+        </p:spPr>
+        <p:txBody>
+          <a:bodyPr/>
+          <a:lstStyle/>
+          <a:p>
+            <a:r>
+              <a:rPr lang="en-KW" dirty="0"/>
+              <a:t>Installing Python</a:t>
+            </a:r>
+          </a:p>
+        </p:txBody>
+      </p:sp>
+      <p:sp>
+        <p:nvSpPr>
+          <p:cNvPr id="3" name="Content Placeholder 2">
+            <a:extLst>
+              <a:ext uri="{FF2B5EF4-FFF2-40B4-BE49-F238E27FC236}">
+                <a16:creationId xmlns:a16="http://schemas.microsoft.com/office/drawing/2014/main" id="{1C2DE6F7-1EEC-F67C-504C-96E853947767}"/>
+              </a:ext>
+            </a:extLst>
+          </p:cNvPr>
+          <p:cNvSpPr>
+            <a:spLocks noGrp="1"/>
+          </p:cNvSpPr>
+          <p:nvPr>
+            <p:ph idx="1"/>
+          </p:nvPr>
+        </p:nvSpPr>
         <p:spPr/>
         <p:txBody>
           <a:bodyPr/>
@@ -3469,60 +4061,15 @@
           <a:p>
             <a:r>
               <a:rPr lang="en-KW" dirty="0"/>
-              <a:t>Preliminaries</a:t>
-            </a:r>
-          </a:p>
-        </p:txBody>
-      </p:sp>
-      <p:sp>
-        <p:nvSpPr>
-          <p:cNvPr id="3" name="Content Placeholder 2">
-            <a:extLst>
-              <a:ext uri="{FF2B5EF4-FFF2-40B4-BE49-F238E27FC236}">
-                <a16:creationId xmlns:a16="http://schemas.microsoft.com/office/drawing/2014/main" id="{D4E080C8-2A60-815F-689E-BA07FDB93F3E}"/>
-              </a:ext>
-            </a:extLst>
-          </p:cNvPr>
-          <p:cNvSpPr>
-            <a:spLocks noGrp="1"/>
-          </p:cNvSpPr>
-          <p:nvPr>
-            <p:ph idx="1"/>
-          </p:nvPr>
-        </p:nvSpPr>
-        <p:spPr/>
-        <p:txBody>
-          <a:bodyPr/>
-          <a:lstStyle/>
-          <a:p>
-            <a:r>
-              <a:rPr lang="en-KW" dirty="0"/>
-              <a:t>Need to have a working experience with a programming language such as C, C++, Javascript, R, Matlab, Python, etc.</a:t>
-            </a:r>
-          </a:p>
-          <a:p>
-            <a:pPr marL="0" indent="0">
-              <a:buNone/>
-            </a:pPr>
-            <a:endParaRPr lang="en-KW" dirty="0"/>
-          </a:p>
-          <a:p>
-            <a:r>
-              <a:rPr lang="en-KW" dirty="0"/>
-              <a:t>Course materials, slides and code, are on:</a:t>
-            </a:r>
-          </a:p>
-          <a:p>
-            <a:pPr marL="0" indent="0" algn="ctr">
-              <a:buNone/>
-            </a:pPr>
+              <a:t>Install the uv tool on your system (</a:t>
+            </a:r>
             <a:r>
               <a:rPr lang="en-US" dirty="0"/>
               <a:t>https://</a:t>
             </a:r>
             <a:r>
               <a:rPr lang="en-US" dirty="0" err="1"/>
-              <a:t>github.com</a:t>
+              <a:t>docs.astral.sh</a:t>
             </a:r>
             <a:r>
               <a:rPr lang="en-US" dirty="0"/>
@@ -3530,35 +4077,346 @@
             </a:r>
             <a:r>
               <a:rPr lang="en-US" dirty="0" err="1"/>
-              <a:t>KISRDevelopment</a:t>
+              <a:t>uv</a:t>
             </a:r>
             <a:r>
               <a:rPr lang="en-US" dirty="0"/>
-              <a:t>/python-ml-2025</a:t>
-            </a:r>
+              <a:t>)</a:t>
+            </a:r>
+          </a:p>
+          <a:p>
+            <a:r>
+              <a:rPr lang="en-US" dirty="0"/>
+              <a:t>Open up a new terminal or command prompt:</a:t>
+            </a:r>
+          </a:p>
+          <a:p>
+            <a:pPr lvl="1"/>
+            <a:r>
+              <a:rPr lang="en-US" dirty="0"/>
+              <a:t>Install Python 3.12: </a:t>
+            </a:r>
+            <a:r>
+              <a:rPr lang="en-US" dirty="0" err="1">
+                <a:solidFill>
+                  <a:schemeClr val="accent5">
+                    <a:lumMod val="50000"/>
+                  </a:schemeClr>
+                </a:solidFill>
+                <a:latin typeface="Consolas" panose="020B0609020204030204" pitchFamily="49" charset="0"/>
+                <a:cs typeface="Consolas" panose="020B0609020204030204" pitchFamily="49" charset="0"/>
+              </a:rPr>
+              <a:t>uv</a:t>
+            </a:r>
+            <a:r>
+              <a:rPr lang="en-US" dirty="0">
+                <a:solidFill>
+                  <a:schemeClr val="accent5">
+                    <a:lumMod val="50000"/>
+                  </a:schemeClr>
+                </a:solidFill>
+                <a:latin typeface="Consolas" panose="020B0609020204030204" pitchFamily="49" charset="0"/>
+                <a:cs typeface="Consolas" panose="020B0609020204030204" pitchFamily="49" charset="0"/>
+              </a:rPr>
+              <a:t> python install 3.1</a:t>
+            </a:r>
+          </a:p>
+          <a:p>
+            <a:pPr lvl="1"/>
+            <a:r>
+              <a:rPr lang="en-US" dirty="0"/>
+              <a:t>Create virtual environment: </a:t>
+            </a:r>
+            <a:r>
+              <a:rPr lang="en-US" dirty="0" err="1">
+                <a:solidFill>
+                  <a:schemeClr val="accent5">
+                    <a:lumMod val="50000"/>
+                  </a:schemeClr>
+                </a:solidFill>
+                <a:latin typeface="Consolas" panose="020B0609020204030204" pitchFamily="49" charset="0"/>
+                <a:cs typeface="Consolas" panose="020B0609020204030204" pitchFamily="49" charset="0"/>
+              </a:rPr>
+              <a:t>uv</a:t>
+            </a:r>
+            <a:r>
+              <a:rPr lang="en-US" dirty="0">
+                <a:solidFill>
+                  <a:schemeClr val="accent5">
+                    <a:lumMod val="50000"/>
+                  </a:schemeClr>
+                </a:solidFill>
+                <a:latin typeface="Consolas" panose="020B0609020204030204" pitchFamily="49" charset="0"/>
+                <a:cs typeface="Consolas" panose="020B0609020204030204" pitchFamily="49" charset="0"/>
+              </a:rPr>
+              <a:t> </a:t>
+            </a:r>
+            <a:r>
+              <a:rPr lang="en-US" dirty="0" err="1">
+                <a:solidFill>
+                  <a:schemeClr val="accent5">
+                    <a:lumMod val="50000"/>
+                  </a:schemeClr>
+                </a:solidFill>
+                <a:latin typeface="Consolas" panose="020B0609020204030204" pitchFamily="49" charset="0"/>
+                <a:cs typeface="Consolas" panose="020B0609020204030204" pitchFamily="49" charset="0"/>
+              </a:rPr>
+              <a:t>venv</a:t>
+            </a:r>
+            <a:r>
+              <a:rPr lang="en-US" dirty="0">
+                <a:solidFill>
+                  <a:schemeClr val="accent5">
+                    <a:lumMod val="50000"/>
+                  </a:schemeClr>
+                </a:solidFill>
+                <a:latin typeface="Consolas" panose="020B0609020204030204" pitchFamily="49" charset="0"/>
+                <a:cs typeface="Consolas" panose="020B0609020204030204" pitchFamily="49" charset="0"/>
+              </a:rPr>
+              <a:t> --python 3.12</a:t>
+            </a:r>
+            <a:endParaRPr lang="en-US" dirty="0">
+              <a:solidFill>
+                <a:schemeClr val="accent5">
+                  <a:lumMod val="50000"/>
+                </a:schemeClr>
+              </a:solidFill>
+            </a:endParaRPr>
+          </a:p>
+          <a:p>
+            <a:pPr lvl="1"/>
+            <a:r>
+              <a:rPr lang="en-US" dirty="0"/>
+              <a:t>Activate virtual environment: </a:t>
+            </a:r>
+          </a:p>
+          <a:p>
+            <a:pPr lvl="2"/>
+            <a:r>
+              <a:rPr lang="en-US" b="1" dirty="0">
+                <a:solidFill>
+                  <a:schemeClr val="accent5"/>
+                </a:solidFill>
+              </a:rPr>
+              <a:t>On Windows: </a:t>
+            </a:r>
+            <a:r>
+              <a:rPr lang="en-US" b="1" dirty="0">
+                <a:solidFill>
+                  <a:schemeClr val="accent5">
+                    <a:lumMod val="50000"/>
+                  </a:schemeClr>
+                </a:solidFill>
+              </a:rPr>
+              <a:t>.</a:t>
+            </a:r>
+            <a:r>
+              <a:rPr lang="en-US" b="1" dirty="0" err="1">
+                <a:solidFill>
+                  <a:schemeClr val="accent5">
+                    <a:lumMod val="50000"/>
+                  </a:schemeClr>
+                </a:solidFill>
+              </a:rPr>
+              <a:t>venv</a:t>
+            </a:r>
+            <a:r>
+              <a:rPr lang="en-US" b="1" dirty="0">
+                <a:solidFill>
+                  <a:schemeClr val="accent5">
+                    <a:lumMod val="50000"/>
+                  </a:schemeClr>
+                </a:solidFill>
+              </a:rPr>
+              <a:t>\Scripts\activate</a:t>
+            </a:r>
+          </a:p>
+          <a:p>
+            <a:pPr lvl="2"/>
+            <a:r>
+              <a:rPr lang="en-US" b="1" dirty="0">
+                <a:solidFill>
+                  <a:schemeClr val="accent5"/>
+                </a:solidFill>
+              </a:rPr>
+              <a:t>On Mac/Linux:</a:t>
+            </a:r>
+            <a:r>
+              <a:rPr lang="en-US" dirty="0">
+                <a:solidFill>
+                  <a:schemeClr val="accent5"/>
+                </a:solidFill>
+              </a:rPr>
+              <a:t> </a:t>
+            </a:r>
+            <a:r>
+              <a:rPr lang="en-US" b="1" dirty="0">
+                <a:solidFill>
+                  <a:schemeClr val="accent5">
+                    <a:lumMod val="50000"/>
+                  </a:schemeClr>
+                </a:solidFill>
+              </a:rPr>
+              <a:t>. .</a:t>
+            </a:r>
+            <a:r>
+              <a:rPr lang="en-US" b="1" dirty="0" err="1">
+                <a:solidFill>
+                  <a:schemeClr val="accent5">
+                    <a:lumMod val="50000"/>
+                  </a:schemeClr>
+                </a:solidFill>
+              </a:rPr>
+              <a:t>venv</a:t>
+            </a:r>
+            <a:r>
+              <a:rPr lang="en-US" b="1" dirty="0">
+                <a:solidFill>
+                  <a:schemeClr val="accent5">
+                    <a:lumMod val="50000"/>
+                  </a:schemeClr>
+                </a:solidFill>
+              </a:rPr>
+              <a:t>/bin/activate</a:t>
+            </a:r>
+          </a:p>
+          <a:p>
+            <a:pPr lvl="1"/>
+            <a:r>
+              <a:rPr lang="en-US" dirty="0"/>
+              <a:t>Install required libraries: </a:t>
+            </a:r>
+            <a:r>
+              <a:rPr lang="en-US" dirty="0" err="1">
+                <a:solidFill>
+                  <a:schemeClr val="accent5">
+                    <a:lumMod val="50000"/>
+                  </a:schemeClr>
+                </a:solidFill>
+                <a:latin typeface="Consolas" panose="020B0609020204030204" pitchFamily="49" charset="0"/>
+                <a:cs typeface="Consolas" panose="020B0609020204030204" pitchFamily="49" charset="0"/>
+              </a:rPr>
+              <a:t>uv</a:t>
+            </a:r>
+            <a:r>
+              <a:rPr lang="en-US" dirty="0">
+                <a:solidFill>
+                  <a:schemeClr val="accent5">
+                    <a:lumMod val="50000"/>
+                  </a:schemeClr>
+                </a:solidFill>
+                <a:latin typeface="Consolas" panose="020B0609020204030204" pitchFamily="49" charset="0"/>
+                <a:cs typeface="Consolas" panose="020B0609020204030204" pitchFamily="49" charset="0"/>
+              </a:rPr>
+              <a:t> pip install </a:t>
+            </a:r>
+            <a:r>
+              <a:rPr lang="en-US" dirty="0" err="1">
+                <a:solidFill>
+                  <a:schemeClr val="accent5">
+                    <a:lumMod val="50000"/>
+                  </a:schemeClr>
+                </a:solidFill>
+                <a:latin typeface="Consolas" panose="020B0609020204030204" pitchFamily="49" charset="0"/>
+                <a:cs typeface="Consolas" panose="020B0609020204030204" pitchFamily="49" charset="0"/>
+              </a:rPr>
+              <a:t>numpy</a:t>
+            </a:r>
+            <a:r>
+              <a:rPr lang="en-US" dirty="0">
+                <a:solidFill>
+                  <a:schemeClr val="accent5">
+                    <a:lumMod val="50000"/>
+                  </a:schemeClr>
+                </a:solidFill>
+                <a:latin typeface="Consolas" panose="020B0609020204030204" pitchFamily="49" charset="0"/>
+                <a:cs typeface="Consolas" panose="020B0609020204030204" pitchFamily="49" charset="0"/>
+              </a:rPr>
+              <a:t> pandas matplotlib seaborn </a:t>
+            </a:r>
+            <a:r>
+              <a:rPr lang="en-US" dirty="0" err="1">
+                <a:solidFill>
+                  <a:schemeClr val="accent5">
+                    <a:lumMod val="50000"/>
+                  </a:schemeClr>
+                </a:solidFill>
+                <a:latin typeface="Consolas" panose="020B0609020204030204" pitchFamily="49" charset="0"/>
+                <a:cs typeface="Consolas" panose="020B0609020204030204" pitchFamily="49" charset="0"/>
+              </a:rPr>
+              <a:t>jupyterlab</a:t>
+            </a:r>
+            <a:r>
+              <a:rPr lang="en-US" dirty="0">
+                <a:solidFill>
+                  <a:schemeClr val="accent5">
+                    <a:lumMod val="50000"/>
+                  </a:schemeClr>
+                </a:solidFill>
+                <a:latin typeface="Consolas" panose="020B0609020204030204" pitchFamily="49" charset="0"/>
+                <a:cs typeface="Consolas" panose="020B0609020204030204" pitchFamily="49" charset="0"/>
+              </a:rPr>
+              <a:t> scikit-learn </a:t>
+            </a:r>
+            <a:r>
+              <a:rPr lang="en-US" dirty="0" err="1">
+                <a:solidFill>
+                  <a:schemeClr val="accent5">
+                    <a:lumMod val="50000"/>
+                  </a:schemeClr>
+                </a:solidFill>
+                <a:latin typeface="Consolas" panose="020B0609020204030204" pitchFamily="49" charset="0"/>
+                <a:cs typeface="Consolas" panose="020B0609020204030204" pitchFamily="49" charset="0"/>
+              </a:rPr>
+              <a:t>jax</a:t>
+            </a:r>
+            <a:r>
+              <a:rPr lang="en-US" dirty="0">
+                <a:solidFill>
+                  <a:schemeClr val="accent5">
+                    <a:lumMod val="50000"/>
+                  </a:schemeClr>
+                </a:solidFill>
+                <a:latin typeface="Consolas" panose="020B0609020204030204" pitchFamily="49" charset="0"/>
+                <a:cs typeface="Consolas" panose="020B0609020204030204" pitchFamily="49" charset="0"/>
+              </a:rPr>
+              <a:t> </a:t>
+            </a:r>
+            <a:r>
+              <a:rPr lang="en-US" dirty="0" err="1">
+                <a:solidFill>
+                  <a:schemeClr val="accent5">
+                    <a:lumMod val="50000"/>
+                  </a:schemeClr>
+                </a:solidFill>
+                <a:latin typeface="Consolas" panose="020B0609020204030204" pitchFamily="49" charset="0"/>
+                <a:cs typeface="Consolas" panose="020B0609020204030204" pitchFamily="49" charset="0"/>
+              </a:rPr>
+              <a:t>statsmodels</a:t>
+            </a:r>
+            <a:endParaRPr lang="en-US" dirty="0">
+              <a:solidFill>
+                <a:schemeClr val="accent5">
+                  <a:lumMod val="50000"/>
+                </a:schemeClr>
+              </a:solidFill>
+              <a:latin typeface="Consolas" panose="020B0609020204030204" pitchFamily="49" charset="0"/>
+              <a:cs typeface="Consolas" panose="020B0609020204030204" pitchFamily="49" charset="0"/>
+            </a:endParaRPr>
+          </a:p>
+          <a:p>
+            <a:pPr lvl="1"/>
+            <a:endParaRPr lang="en-US" dirty="0"/>
+          </a:p>
+          <a:p>
+            <a:pPr lvl="1"/>
+            <a:endParaRPr lang="en-US" dirty="0"/>
           </a:p>
           <a:p>
             <a:pPr marL="457200" lvl="1" indent="0">
               <a:buNone/>
             </a:pPr>
             <a:endParaRPr lang="en-US" dirty="0"/>
-          </a:p>
-          <a:p>
-            <a:r>
-              <a:rPr lang="en-US" dirty="0"/>
-              <a:t>Course is organized in blocks, with each block followed by a code demonstration. Try to follow-along, but if you can’t the code is available on the </a:t>
-            </a:r>
-            <a:r>
-              <a:rPr lang="en-US"/>
-              <a:t>link above.</a:t>
-            </a:r>
-            <a:endParaRPr lang="en-US" dirty="0"/>
-          </a:p>
-          <a:p>
-            <a:pPr marL="0" indent="0">
-              <a:buNone/>
-            </a:pPr>
-            <a:endParaRPr lang="en-KW" dirty="0"/>
           </a:p>
           <a:p>
             <a:endParaRPr lang="en-KW" dirty="0"/>
@@ -3568,7 +4426,190 @@
     </p:spTree>
     <p:extLst>
       <p:ext uri="{BB962C8B-B14F-4D97-AF65-F5344CB8AC3E}">
-        <p14:creationId xmlns:p14="http://schemas.microsoft.com/office/powerpoint/2010/main" val="1064930547"/>
+        <p14:creationId xmlns:p14="http://schemas.microsoft.com/office/powerpoint/2010/main" val="3883921351"/>
+      </p:ext>
+    </p:extLst>
+  </p:cSld>
+  <p:clrMapOvr>
+    <a:masterClrMapping/>
+  </p:clrMapOvr>
+</p:sld>
+</file>
+
+<file path=ppt/slides/slide4.xml><?xml version="1.0" encoding="utf-8"?>
+<p:sld xmlns:a="http://schemas.openxmlformats.org/drawingml/2006/main" xmlns:r="http://schemas.openxmlformats.org/officeDocument/2006/relationships" xmlns:p="http://schemas.openxmlformats.org/presentationml/2006/main">
+  <p:cSld>
+    <p:spTree>
+      <p:nvGrpSpPr>
+        <p:cNvPr id="1" name=""/>
+        <p:cNvGrpSpPr/>
+        <p:nvPr/>
+      </p:nvGrpSpPr>
+      <p:grpSpPr>
+        <a:xfrm>
+          <a:off x="0" y="0"/>
+          <a:ext cx="0" cy="0"/>
+          <a:chOff x="0" y="0"/>
+          <a:chExt cx="0" cy="0"/>
+        </a:xfrm>
+      </p:grpSpPr>
+      <p:sp>
+        <p:nvSpPr>
+          <p:cNvPr id="2" name="Title 1">
+            <a:extLst>
+              <a:ext uri="{FF2B5EF4-FFF2-40B4-BE49-F238E27FC236}">
+                <a16:creationId xmlns:a16="http://schemas.microsoft.com/office/drawing/2014/main" id="{EA408F50-D225-FD4A-6804-000453DEBD11}"/>
+              </a:ext>
+            </a:extLst>
+          </p:cNvPr>
+          <p:cNvSpPr>
+            <a:spLocks noGrp="1"/>
+          </p:cNvSpPr>
+          <p:nvPr>
+            <p:ph type="title"/>
+          </p:nvPr>
+        </p:nvSpPr>
+        <p:spPr/>
+        <p:txBody>
+          <a:bodyPr/>
+          <a:lstStyle/>
+          <a:p>
+            <a:r>
+              <a:rPr lang="en-KW" dirty="0"/>
+              <a:t>Jupyter Notebook</a:t>
+            </a:r>
+          </a:p>
+        </p:txBody>
+      </p:sp>
+      <p:sp>
+        <p:nvSpPr>
+          <p:cNvPr id="3" name="Content Placeholder 2">
+            <a:extLst>
+              <a:ext uri="{FF2B5EF4-FFF2-40B4-BE49-F238E27FC236}">
+                <a16:creationId xmlns:a16="http://schemas.microsoft.com/office/drawing/2014/main" id="{758514BA-565F-D750-6A8E-9441A3563F42}"/>
+              </a:ext>
+            </a:extLst>
+          </p:cNvPr>
+          <p:cNvSpPr>
+            <a:spLocks noGrp="1"/>
+          </p:cNvSpPr>
+          <p:nvPr>
+            <p:ph idx="1"/>
+          </p:nvPr>
+        </p:nvSpPr>
+        <p:spPr/>
+        <p:txBody>
+          <a:bodyPr/>
+          <a:lstStyle/>
+          <a:p>
+            <a:r>
+              <a:rPr lang="en-KW" dirty="0"/>
+              <a:t>An interactive Python interpreter where you can mix documentation + code</a:t>
+            </a:r>
+          </a:p>
+          <a:p>
+            <a:r>
+              <a:rPr lang="en-KW" dirty="0"/>
+              <a:t>Web-based interface</a:t>
+            </a:r>
+          </a:p>
+          <a:p>
+            <a:r>
+              <a:rPr lang="en-KW" dirty="0"/>
+              <a:t>To launch on Windows:</a:t>
+            </a:r>
+          </a:p>
+          <a:p>
+            <a:pPr lvl="1"/>
+            <a:r>
+              <a:rPr lang="en-KW" dirty="0"/>
+              <a:t>Right click on the windows logo in the taskbar</a:t>
+            </a:r>
+          </a:p>
+          <a:p>
+            <a:pPr lvl="1"/>
+            <a:r>
+              <a:rPr lang="en-KW" dirty="0"/>
+              <a:t>Click “Command Prompt”</a:t>
+            </a:r>
+          </a:p>
+          <a:p>
+            <a:pPr lvl="1"/>
+            <a:r>
+              <a:rPr lang="en-KW" dirty="0"/>
+              <a:t>Activate virtual environment: </a:t>
+            </a:r>
+            <a:r>
+              <a:rPr lang="en-KW" dirty="0">
+                <a:solidFill>
+                  <a:schemeClr val="accent5">
+                    <a:lumMod val="50000"/>
+                  </a:schemeClr>
+                </a:solidFill>
+                <a:latin typeface="Consolas" panose="020B0609020204030204" pitchFamily="49" charset="0"/>
+                <a:cs typeface="Consolas" panose="020B0609020204030204" pitchFamily="49" charset="0"/>
+              </a:rPr>
+              <a:t>.venv\scripts\activate</a:t>
+            </a:r>
+            <a:endParaRPr lang="en-KW" dirty="0">
+              <a:solidFill>
+                <a:schemeClr val="accent5">
+                  <a:lumMod val="50000"/>
+                </a:schemeClr>
+              </a:solidFill>
+              <a:latin typeface="+mj-lt"/>
+              <a:cs typeface="Consolas" panose="020B0609020204030204" pitchFamily="49" charset="0"/>
+            </a:endParaRPr>
+          </a:p>
+          <a:p>
+            <a:pPr lvl="1"/>
+            <a:r>
+              <a:rPr lang="en-KW" dirty="0">
+                <a:latin typeface="+mj-lt"/>
+                <a:cs typeface="Consolas" panose="020B0609020204030204" pitchFamily="49" charset="0"/>
+              </a:rPr>
+              <a:t>Run Jupyter:</a:t>
+            </a:r>
+            <a:r>
+              <a:rPr lang="en-KW" dirty="0">
+                <a:latin typeface="Consolas" panose="020B0609020204030204" pitchFamily="49" charset="0"/>
+                <a:cs typeface="Consolas" panose="020B0609020204030204" pitchFamily="49" charset="0"/>
+              </a:rPr>
+              <a:t> </a:t>
+            </a:r>
+            <a:r>
+              <a:rPr lang="en-KW" dirty="0">
+                <a:solidFill>
+                  <a:schemeClr val="accent5">
+                    <a:lumMod val="50000"/>
+                  </a:schemeClr>
+                </a:solidFill>
+                <a:latin typeface="Consolas" panose="020B0609020204030204" pitchFamily="49" charset="0"/>
+                <a:cs typeface="Consolas" panose="020B0609020204030204" pitchFamily="49" charset="0"/>
+              </a:rPr>
+              <a:t>jupyter lab</a:t>
+            </a:r>
+          </a:p>
+          <a:p>
+            <a:pPr lvl="1"/>
+            <a:r>
+              <a:rPr lang="en-KW" dirty="0">
+                <a:latin typeface="+mj-lt"/>
+                <a:cs typeface="Consolas" panose="020B0609020204030204" pitchFamily="49" charset="0"/>
+              </a:rPr>
+              <a:t>The browser should launch after a few seconds </a:t>
+            </a:r>
+          </a:p>
+          <a:p>
+            <a:pPr lvl="1"/>
+            <a:endParaRPr lang="en-KW" dirty="0"/>
+          </a:p>
+        </p:txBody>
+      </p:sp>
+    </p:spTree>
+    <p:extLst>
+      <p:ext uri="{BB962C8B-B14F-4D97-AF65-F5344CB8AC3E}">
+        <p14:creationId xmlns:p14="http://schemas.microsoft.com/office/powerpoint/2010/main" val="3533639347"/>
       </p:ext>
     </p:extLst>
   </p:cSld>
@@ -3891,4 +4932,319 @@
     </a:ext>
   </a:extLst>
 </a:theme>
+</file>
+
+<file path=ppt/theme/theme2.xml><?xml version="1.0" encoding="utf-8"?>
+<a:theme xmlns:a="http://schemas.openxmlformats.org/drawingml/2006/main" name="Office Theme">
+  <a:themeElements>
+    <a:clrScheme name="Office">
+      <a:dk1>
+        <a:sysClr val="windowText" lastClr="000000"/>
+      </a:dk1>
+      <a:lt1>
+        <a:sysClr val="window" lastClr="FFFFFF"/>
+      </a:lt1>
+      <a:dk2>
+        <a:srgbClr val="0E2841"/>
+      </a:dk2>
+      <a:lt2>
+        <a:srgbClr val="E8E8E8"/>
+      </a:lt2>
+      <a:accent1>
+        <a:srgbClr val="156082"/>
+      </a:accent1>
+      <a:accent2>
+        <a:srgbClr val="E97132"/>
+      </a:accent2>
+      <a:accent3>
+        <a:srgbClr val="196B24"/>
+      </a:accent3>
+      <a:accent4>
+        <a:srgbClr val="0F9ED5"/>
+      </a:accent4>
+      <a:accent5>
+        <a:srgbClr val="A02B93"/>
+      </a:accent5>
+      <a:accent6>
+        <a:srgbClr val="4EA72E"/>
+      </a:accent6>
+      <a:hlink>
+        <a:srgbClr val="467886"/>
+      </a:hlink>
+      <a:folHlink>
+        <a:srgbClr val="96607D"/>
+      </a:folHlink>
+    </a:clrScheme>
+    <a:fontScheme name="Office">
+      <a:majorFont>
+        <a:latin typeface="Aptos Display" panose="02110004020202020204"/>
+        <a:ea typeface=""/>
+        <a:cs typeface=""/>
+        <a:font script="Jpan" typeface="游ゴシック Light"/>
+        <a:font script="Hang" typeface="맑은 고딕"/>
+        <a:font script="Hans" typeface="等线 Light"/>
+        <a:font script="Hant" typeface="新細明體"/>
+        <a:font script="Arab" typeface="Times New Roman"/>
+        <a:font script="Hebr" typeface="Times New Roman"/>
+        <a:font script="Thai" typeface="Angsana New"/>
+        <a:font script="Ethi" typeface="Nyala"/>
+        <a:font script="Beng" typeface="Vrinda"/>
+        <a:font script="Gujr" typeface="Shruti"/>
+        <a:font script="Khmr" typeface="MoolBoran"/>
+        <a:font script="Knda" typeface="Tunga"/>
+        <a:font script="Guru" typeface="Raavi"/>
+        <a:font script="Cans" typeface="Euphemia"/>
+        <a:font script="Cher" typeface="Plantagenet Cherokee"/>
+        <a:font script="Yiii" typeface="Microsoft Yi Baiti"/>
+        <a:font script="Tibt" typeface="Microsoft Himalaya"/>
+        <a:font script="Thaa" typeface="MV Boli"/>
+        <a:font script="Deva" typeface="Mangal"/>
+        <a:font script="Telu" typeface="Gautami"/>
+        <a:font script="Taml" typeface="Latha"/>
+        <a:font script="Syrc" typeface="Estrangelo Edessa"/>
+        <a:font script="Orya" typeface="Kalinga"/>
+        <a:font script="Mlym" typeface="Kartika"/>
+        <a:font script="Laoo" typeface="DokChampa"/>
+        <a:font script="Sinh" typeface="Iskoola Pota"/>
+        <a:font script="Mong" typeface="Mongolian Baiti"/>
+        <a:font script="Viet" typeface="Times New Roman"/>
+        <a:font script="Uigh" typeface="Microsoft Uighur"/>
+        <a:font script="Geor" typeface="Sylfaen"/>
+        <a:font script="Armn" typeface="Arial"/>
+        <a:font script="Bugi" typeface="Leelawadee UI"/>
+        <a:font script="Bopo" typeface="Microsoft JhengHei"/>
+        <a:font script="Java" typeface="Javanese Text"/>
+        <a:font script="Lisu" typeface="Segoe UI"/>
+        <a:font script="Mymr" typeface="Myanmar Text"/>
+        <a:font script="Nkoo" typeface="Ebrima"/>
+        <a:font script="Olck" typeface="Nirmala UI"/>
+        <a:font script="Osma" typeface="Ebrima"/>
+        <a:font script="Phag" typeface="Phagspa"/>
+        <a:font script="Syrn" typeface="Estrangelo Edessa"/>
+        <a:font script="Syrj" typeface="Estrangelo Edessa"/>
+        <a:font script="Syre" typeface="Estrangelo Edessa"/>
+        <a:font script="Sora" typeface="Nirmala UI"/>
+        <a:font script="Tale" typeface="Microsoft Tai Le"/>
+        <a:font script="Talu" typeface="Microsoft New Tai Lue"/>
+        <a:font script="Tfng" typeface="Ebrima"/>
+      </a:majorFont>
+      <a:minorFont>
+        <a:latin typeface="Aptos" panose="02110004020202020204"/>
+        <a:ea typeface=""/>
+        <a:cs typeface=""/>
+        <a:font script="Jpan" typeface="游ゴシック"/>
+        <a:font script="Hang" typeface="맑은 고딕"/>
+        <a:font script="Hans" typeface="等线"/>
+        <a:font script="Hant" typeface="新細明體"/>
+        <a:font script="Arab" typeface="Arial"/>
+        <a:font script="Hebr" typeface="Arial"/>
+        <a:font script="Thai" typeface="Cordia New"/>
+        <a:font script="Ethi" typeface="Nyala"/>
+        <a:font script="Beng" typeface="Vrinda"/>
+        <a:font script="Gujr" typeface="Shruti"/>
+        <a:font script="Khmr" typeface="DaunPenh"/>
+        <a:font script="Knda" typeface="Tunga"/>
+        <a:font script="Guru" typeface="Raavi"/>
+        <a:font script="Cans" typeface="Euphemia"/>
+        <a:font script="Cher" typeface="Plantagenet Cherokee"/>
+        <a:font script="Yiii" typeface="Microsoft Yi Baiti"/>
+        <a:font script="Tibt" typeface="Microsoft Himalaya"/>
+        <a:font script="Thaa" typeface="MV Boli"/>
+        <a:font script="Deva" typeface="Mangal"/>
+        <a:font script="Telu" typeface="Gautami"/>
+        <a:font script="Taml" typeface="Latha"/>
+        <a:font script="Syrc" typeface="Estrangelo Edessa"/>
+        <a:font script="Orya" typeface="Kalinga"/>
+        <a:font script="Mlym" typeface="Kartika"/>
+        <a:font script="Laoo" typeface="DokChampa"/>
+        <a:font script="Sinh" typeface="Iskoola Pota"/>
+        <a:font script="Mong" typeface="Mongolian Baiti"/>
+        <a:font script="Viet" typeface="Arial"/>
+        <a:font script="Uigh" typeface="Microsoft Uighur"/>
+        <a:font script="Geor" typeface="Sylfaen"/>
+        <a:font script="Armn" typeface="Arial"/>
+        <a:font script="Bugi" typeface="Leelawadee UI"/>
+        <a:font script="Bopo" typeface="Microsoft JhengHei"/>
+        <a:font script="Java" typeface="Javanese Text"/>
+        <a:font script="Lisu" typeface="Segoe UI"/>
+        <a:font script="Mymr" typeface="Myanmar Text"/>
+        <a:font script="Nkoo" typeface="Ebrima"/>
+        <a:font script="Olck" typeface="Nirmala UI"/>
+        <a:font script="Osma" typeface="Ebrima"/>
+        <a:font script="Phag" typeface="Phagspa"/>
+        <a:font script="Syrn" typeface="Estrangelo Edessa"/>
+        <a:font script="Syrj" typeface="Estrangelo Edessa"/>
+        <a:font script="Syre" typeface="Estrangelo Edessa"/>
+        <a:font script="Sora" typeface="Nirmala UI"/>
+        <a:font script="Tale" typeface="Microsoft Tai Le"/>
+        <a:font script="Talu" typeface="Microsoft New Tai Lue"/>
+        <a:font script="Tfng" typeface="Ebrima"/>
+      </a:minorFont>
+    </a:fontScheme>
+    <a:fmtScheme name="Office">
+      <a:fillStyleLst>
+        <a:solidFill>
+          <a:schemeClr val="phClr"/>
+        </a:solidFill>
+        <a:gradFill rotWithShape="1">
+          <a:gsLst>
+            <a:gs pos="0">
+              <a:schemeClr val="phClr">
+                <a:lumMod val="110000"/>
+                <a:satMod val="105000"/>
+                <a:tint val="67000"/>
+              </a:schemeClr>
+            </a:gs>
+            <a:gs pos="50000">
+              <a:schemeClr val="phClr">
+                <a:lumMod val="105000"/>
+                <a:satMod val="103000"/>
+                <a:tint val="73000"/>
+              </a:schemeClr>
+            </a:gs>
+            <a:gs pos="100000">
+              <a:schemeClr val="phClr">
+                <a:lumMod val="105000"/>
+                <a:satMod val="109000"/>
+                <a:tint val="81000"/>
+              </a:schemeClr>
+            </a:gs>
+          </a:gsLst>
+          <a:lin ang="5400000" scaled="0"/>
+        </a:gradFill>
+        <a:gradFill rotWithShape="1">
+          <a:gsLst>
+            <a:gs pos="0">
+              <a:schemeClr val="phClr">
+                <a:satMod val="103000"/>
+                <a:lumMod val="102000"/>
+                <a:tint val="94000"/>
+              </a:schemeClr>
+            </a:gs>
+            <a:gs pos="50000">
+              <a:schemeClr val="phClr">
+                <a:satMod val="110000"/>
+                <a:lumMod val="100000"/>
+                <a:shade val="100000"/>
+              </a:schemeClr>
+            </a:gs>
+            <a:gs pos="100000">
+              <a:schemeClr val="phClr">
+                <a:lumMod val="99000"/>
+                <a:satMod val="120000"/>
+                <a:shade val="78000"/>
+              </a:schemeClr>
+            </a:gs>
+          </a:gsLst>
+          <a:lin ang="5400000" scaled="0"/>
+        </a:gradFill>
+      </a:fillStyleLst>
+      <a:lnStyleLst>
+        <a:ln w="12700" cap="flat" cmpd="sng" algn="ctr">
+          <a:solidFill>
+            <a:schemeClr val="phClr"/>
+          </a:solidFill>
+          <a:prstDash val="solid"/>
+          <a:miter lim="800000"/>
+        </a:ln>
+        <a:ln w="19050" cap="flat" cmpd="sng" algn="ctr">
+          <a:solidFill>
+            <a:schemeClr val="phClr"/>
+          </a:solidFill>
+          <a:prstDash val="solid"/>
+          <a:miter lim="800000"/>
+        </a:ln>
+        <a:ln w="25400" cap="flat" cmpd="sng" algn="ctr">
+          <a:solidFill>
+            <a:schemeClr val="phClr"/>
+          </a:solidFill>
+          <a:prstDash val="solid"/>
+          <a:miter lim="800000"/>
+        </a:ln>
+      </a:lnStyleLst>
+      <a:effectStyleLst>
+        <a:effectStyle>
+          <a:effectLst/>
+        </a:effectStyle>
+        <a:effectStyle>
+          <a:effectLst/>
+        </a:effectStyle>
+        <a:effectStyle>
+          <a:effectLst>
+            <a:outerShdw blurRad="57150" dist="19050" dir="5400000" algn="ctr" rotWithShape="0">
+              <a:srgbClr val="000000">
+                <a:alpha val="63000"/>
+              </a:srgbClr>
+            </a:outerShdw>
+          </a:effectLst>
+        </a:effectStyle>
+      </a:effectStyleLst>
+      <a:bgFillStyleLst>
+        <a:solidFill>
+          <a:schemeClr val="phClr"/>
+        </a:solidFill>
+        <a:solidFill>
+          <a:schemeClr val="phClr">
+            <a:tint val="95000"/>
+            <a:satMod val="170000"/>
+          </a:schemeClr>
+        </a:solidFill>
+        <a:gradFill rotWithShape="1">
+          <a:gsLst>
+            <a:gs pos="0">
+              <a:schemeClr val="phClr">
+                <a:tint val="93000"/>
+                <a:satMod val="150000"/>
+                <a:shade val="98000"/>
+                <a:lumMod val="102000"/>
+              </a:schemeClr>
+            </a:gs>
+            <a:gs pos="50000">
+              <a:schemeClr val="phClr">
+                <a:tint val="98000"/>
+                <a:satMod val="130000"/>
+                <a:shade val="90000"/>
+                <a:lumMod val="103000"/>
+              </a:schemeClr>
+            </a:gs>
+            <a:gs pos="100000">
+              <a:schemeClr val="phClr">
+                <a:shade val="63000"/>
+                <a:satMod val="120000"/>
+              </a:schemeClr>
+            </a:gs>
+          </a:gsLst>
+          <a:lin ang="5400000" scaled="0"/>
+        </a:gradFill>
+      </a:bgFillStyleLst>
+    </a:fmtScheme>
+  </a:themeElements>
+  <a:objectDefaults>
+    <a:lnDef>
+      <a:spPr/>
+      <a:bodyPr/>
+      <a:lstStyle/>
+      <a:style>
+        <a:lnRef idx="2">
+          <a:schemeClr val="accent1"/>
+        </a:lnRef>
+        <a:fillRef idx="0">
+          <a:schemeClr val="accent1"/>
+        </a:fillRef>
+        <a:effectRef idx="1">
+          <a:schemeClr val="accent1"/>
+        </a:effectRef>
+        <a:fontRef idx="minor">
+          <a:schemeClr val="tx1"/>
+        </a:fontRef>
+      </a:style>
+    </a:lnDef>
+  </a:objectDefaults>
+  <a:extraClrSchemeLst/>
+  <a:extLst>
+    <a:ext uri="{05A4C25C-085E-4340-85A3-A5531E510DB2}">
+      <thm15:themeFamily xmlns:thm15="http://schemas.microsoft.com/office/thememl/2012/main" name="Office Theme" id="{2E142A2C-CD16-42D6-873A-C26D2A0506FA}" vid="{1BDDFF52-6CD6-40A5-AB3C-68EB2F1E4D0A}"/>
+    </a:ext>
+  </a:extLst>
+</a:theme>
 </file>
--- a/slides/org.pptx
+++ b/slides/org.pptx
@@ -3879,7 +3879,7 @@
         <p:spPr/>
         <p:txBody>
           <a:bodyPr>
-            <a:normAutofit fontScale="92500" lnSpcReduction="10000"/>
+            <a:normAutofit lnSpcReduction="10000"/>
           </a:bodyPr>
           <a:lstStyle/>
           <a:p>
@@ -3947,24 +3947,13 @@
             </a:r>
           </a:p>
           <a:p>
-            <a:pPr lvl="1"/>
+            <a:r>
+              <a:rPr lang="en-US"/>
+              <a:t>Course </a:t>
+            </a:r>
             <a:r>
               <a:rPr lang="en-US" dirty="0"/>
-              <a:t>Or use </a:t>
-            </a:r>
-            <a:r>
-              <a:rPr lang="en-US" i="1" dirty="0"/>
-              <a:t>git</a:t>
-            </a:r>
-            <a:r>
-              <a:rPr lang="en-US" dirty="0"/>
-              <a:t> if you know how to use it</a:t>
-            </a:r>
-          </a:p>
-          <a:p>
-            <a:r>
-              <a:rPr lang="en-US" dirty="0"/>
-              <a:t>Course is organized in blocks, with each block followed by a code demonstration. </a:t>
+              <a:t>is organized in blocks, with each block followed by a code demonstration. </a:t>
             </a:r>
           </a:p>
           <a:p>
@@ -4087,7 +4076,7 @@
           <a:p>
             <a:r>
               <a:rPr lang="en-US" dirty="0"/>
-              <a:t>Open up a new terminal or command prompt:</a:t>
+              <a:t>Open a new terminal or command prompt:</a:t>
             </a:r>
           </a:p>
           <a:p>
